--- a/04/04_eloadas_https_tls_tanusitvanyok.pptx
+++ b/04/04_eloadas_https_tls_tanusitvanyok.pptx
@@ -5,25 +5,26 @@
     <p:sldMasterId id="2147483686" r:id="rId1"/>
   </p:sldMasterIdLst>
   <p:notesMasterIdLst>
-    <p:notesMasterId r:id="rId18"/>
+    <p:notesMasterId r:id="rId19"/>
   </p:notesMasterIdLst>
   <p:sldIdLst>
-    <p:sldId id="256" r:id="rId2"/>
-    <p:sldId id="259" r:id="rId3"/>
-    <p:sldId id="275" r:id="rId4"/>
-    <p:sldId id="276" r:id="rId5"/>
-    <p:sldId id="277" r:id="rId6"/>
-    <p:sldId id="278" r:id="rId7"/>
-    <p:sldId id="287" r:id="rId8"/>
-    <p:sldId id="279" r:id="rId9"/>
-    <p:sldId id="280" r:id="rId10"/>
-    <p:sldId id="281" r:id="rId11"/>
-    <p:sldId id="282" r:id="rId12"/>
-    <p:sldId id="283" r:id="rId13"/>
-    <p:sldId id="284" r:id="rId14"/>
-    <p:sldId id="285" r:id="rId15"/>
-    <p:sldId id="286" r:id="rId16"/>
-    <p:sldId id="274" r:id="rId17"/>
+    <p:sldId id="288" r:id="rId2"/>
+    <p:sldId id="256" r:id="rId3"/>
+    <p:sldId id="259" r:id="rId4"/>
+    <p:sldId id="275" r:id="rId5"/>
+    <p:sldId id="276" r:id="rId6"/>
+    <p:sldId id="277" r:id="rId7"/>
+    <p:sldId id="278" r:id="rId8"/>
+    <p:sldId id="287" r:id="rId9"/>
+    <p:sldId id="279" r:id="rId10"/>
+    <p:sldId id="280" r:id="rId11"/>
+    <p:sldId id="281" r:id="rId12"/>
+    <p:sldId id="282" r:id="rId13"/>
+    <p:sldId id="283" r:id="rId14"/>
+    <p:sldId id="284" r:id="rId15"/>
+    <p:sldId id="285" r:id="rId16"/>
+    <p:sldId id="286" r:id="rId17"/>
+    <p:sldId id="274" r:id="rId18"/>
   </p:sldIdLst>
   <p:sldSz cx="12192000" cy="6858000"/>
   <p:notesSz cx="6858000" cy="9144000"/>
@@ -212,7 +213,7 @@
           <a:p>
             <a:fld id="{4C482E4E-5CEC-44A9-BF2B-512FB3B5604F}" type="datetimeFigureOut">
               <a:rPr lang="en-US" smtClean="0"/>
-              <a:t>1/12/2026</a:t>
+              <a:t>2/16/2026</a:t>
             </a:fld>
             <a:endParaRPr lang="en-US"/>
           </a:p>
@@ -567,7 +568,7 @@
           <a:p>
             <a:fld id="{82D23EBC-67FA-4278-B97C-82D0A52FD2DA}" type="slidenum">
               <a:rPr lang="en-US" smtClean="0"/>
-              <a:t>1</a:t>
+              <a:t>2</a:t>
             </a:fld>
             <a:endParaRPr lang="en-US"/>
           </a:p>
@@ -1307,7 +1308,7 @@
           <a:p>
             <a:fld id="{82D23EBC-67FA-4278-B97C-82D0A52FD2DA}" type="slidenum">
               <a:rPr lang="en-US" smtClean="0"/>
-              <a:t>10</a:t>
+              <a:t>11</a:t>
             </a:fld>
             <a:endParaRPr lang="en-US"/>
           </a:p>
@@ -2831,7 +2832,7 @@
           <a:p>
             <a:fld id="{82D23EBC-67FA-4278-B97C-82D0A52FD2DA}" type="slidenum">
               <a:rPr lang="en-US" smtClean="0"/>
-              <a:t>11</a:t>
+              <a:t>12</a:t>
             </a:fld>
             <a:endParaRPr lang="en-US"/>
           </a:p>
@@ -3065,7 +3066,7 @@
           <a:p>
             <a:fld id="{82D23EBC-67FA-4278-B97C-82D0A52FD2DA}" type="slidenum">
               <a:rPr lang="en-US" smtClean="0"/>
-              <a:t>12</a:t>
+              <a:t>13</a:t>
             </a:fld>
             <a:endParaRPr lang="en-US"/>
           </a:p>
@@ -3650,7 +3651,7 @@
           <a:p>
             <a:fld id="{82D23EBC-67FA-4278-B97C-82D0A52FD2DA}" type="slidenum">
               <a:rPr lang="en-US" smtClean="0"/>
-              <a:t>14</a:t>
+              <a:t>15</a:t>
             </a:fld>
             <a:endParaRPr lang="en-US"/>
           </a:p>
@@ -4084,7 +4085,7 @@
           <a:p>
             <a:fld id="{82D23EBC-67FA-4278-B97C-82D0A52FD2DA}" type="slidenum">
               <a:rPr lang="en-US" smtClean="0"/>
-              <a:t>15</a:t>
+              <a:t>16</a:t>
             </a:fld>
             <a:endParaRPr lang="en-US"/>
           </a:p>
@@ -4449,7 +4450,7 @@
           <a:p>
             <a:fld id="{82D23EBC-67FA-4278-B97C-82D0A52FD2DA}" type="slidenum">
               <a:rPr lang="en-US" smtClean="0"/>
-              <a:t>16</a:t>
+              <a:t>17</a:t>
             </a:fld>
             <a:endParaRPr lang="en-US"/>
           </a:p>
@@ -4604,7 +4605,7 @@
           <a:p>
             <a:fld id="{82D23EBC-67FA-4278-B97C-82D0A52FD2DA}" type="slidenum">
               <a:rPr lang="en-US" smtClean="0"/>
-              <a:t>2</a:t>
+              <a:t>3</a:t>
             </a:fld>
             <a:endParaRPr lang="en-US"/>
           </a:p>
@@ -4991,7 +4992,7 @@
           <a:p>
             <a:fld id="{82D23EBC-67FA-4278-B97C-82D0A52FD2DA}" type="slidenum">
               <a:rPr lang="en-US" smtClean="0"/>
-              <a:t>3</a:t>
+              <a:t>4</a:t>
             </a:fld>
             <a:endParaRPr lang="en-US"/>
           </a:p>
@@ -5326,7 +5327,7 @@
           <a:p>
             <a:fld id="{82D23EBC-67FA-4278-B97C-82D0A52FD2DA}" type="slidenum">
               <a:rPr lang="en-US" smtClean="0"/>
-              <a:t>4</a:t>
+              <a:t>5</a:t>
             </a:fld>
             <a:endParaRPr lang="en-US"/>
           </a:p>
@@ -6037,7 +6038,7 @@
           <a:p>
             <a:fld id="{82D23EBC-67FA-4278-B97C-82D0A52FD2DA}" type="slidenum">
               <a:rPr lang="en-US" smtClean="0"/>
-              <a:t>5</a:t>
+              <a:t>6</a:t>
             </a:fld>
             <a:endParaRPr lang="en-US"/>
           </a:p>
@@ -6725,7 +6726,7 @@
           <a:p>
             <a:fld id="{82D23EBC-67FA-4278-B97C-82D0A52FD2DA}" type="slidenum">
               <a:rPr lang="en-US" smtClean="0"/>
-              <a:t>6</a:t>
+              <a:t>7</a:t>
             </a:fld>
             <a:endParaRPr lang="en-US"/>
           </a:p>
@@ -6856,7 +6857,7 @@
           <a:p>
             <a:fld id="{82D23EBC-67FA-4278-B97C-82D0A52FD2DA}" type="slidenum">
               <a:rPr lang="en-US" smtClean="0"/>
-              <a:t>7</a:t>
+              <a:t>8</a:t>
             </a:fld>
             <a:endParaRPr lang="en-US"/>
           </a:p>
@@ -8091,7 +8092,7 @@
           <a:p>
             <a:fld id="{82D23EBC-67FA-4278-B97C-82D0A52FD2DA}" type="slidenum">
               <a:rPr lang="en-US" smtClean="0"/>
-              <a:t>8</a:t>
+              <a:t>9</a:t>
             </a:fld>
             <a:endParaRPr lang="en-US"/>
           </a:p>
@@ -8921,7 +8922,7 @@
           <a:p>
             <a:fld id="{82D23EBC-67FA-4278-B97C-82D0A52FD2DA}" type="slidenum">
               <a:rPr lang="en-US" smtClean="0"/>
-              <a:t>9</a:t>
+              <a:t>10</a:t>
             </a:fld>
             <a:endParaRPr lang="en-US"/>
           </a:p>
@@ -9223,7 +9224,7 @@
           <a:p>
             <a:fld id="{E80C50CD-E178-4744-9B35-B2F624D6C5E9}" type="datetimeFigureOut">
               <a:rPr lang="en-US" smtClean="0"/>
-              <a:t>1/12/2026</a:t>
+              <a:t>2/16/2026</a:t>
             </a:fld>
             <a:endParaRPr lang="en-US"/>
           </a:p>
@@ -9421,7 +9422,7 @@
           <a:p>
             <a:fld id="{E80C50CD-E178-4744-9B35-B2F624D6C5E9}" type="datetimeFigureOut">
               <a:rPr lang="en-US" smtClean="0"/>
-              <a:t>1/12/2026</a:t>
+              <a:t>2/16/2026</a:t>
             </a:fld>
             <a:endParaRPr lang="en-US"/>
           </a:p>
@@ -9629,7 +9630,7 @@
           <a:p>
             <a:fld id="{E80C50CD-E178-4744-9B35-B2F624D6C5E9}" type="datetimeFigureOut">
               <a:rPr lang="en-US" smtClean="0"/>
-              <a:t>1/12/2026</a:t>
+              <a:t>2/16/2026</a:t>
             </a:fld>
             <a:endParaRPr lang="en-US"/>
           </a:p>
@@ -9879,7 +9880,7 @@
           <a:p>
             <a:fld id="{E80C50CD-E178-4744-9B35-B2F624D6C5E9}" type="datetimeFigureOut">
               <a:rPr lang="en-US" smtClean="0"/>
-              <a:t>1/12/2026</a:t>
+              <a:t>2/16/2026</a:t>
             </a:fld>
             <a:endParaRPr lang="en-US"/>
           </a:p>
@@ -10158,7 +10159,7 @@
           <a:p>
             <a:fld id="{E80C50CD-E178-4744-9B35-B2F624D6C5E9}" type="datetimeFigureOut">
               <a:rPr lang="en-US" smtClean="0"/>
-              <a:t>1/12/2026</a:t>
+              <a:t>2/16/2026</a:t>
             </a:fld>
             <a:endParaRPr lang="en-US"/>
           </a:p>
@@ -10475,7 +10476,7 @@
           <a:p>
             <a:fld id="{E80C50CD-E178-4744-9B35-B2F624D6C5E9}" type="datetimeFigureOut">
               <a:rPr lang="en-US" smtClean="0"/>
-              <a:t>1/12/2026</a:t>
+              <a:t>2/16/2026</a:t>
             </a:fld>
             <a:endParaRPr lang="en-US"/>
           </a:p>
@@ -10891,7 +10892,7 @@
           <a:p>
             <a:fld id="{E80C50CD-E178-4744-9B35-B2F624D6C5E9}" type="datetimeFigureOut">
               <a:rPr lang="en-US" smtClean="0"/>
-              <a:t>1/12/2026</a:t>
+              <a:t>2/16/2026</a:t>
             </a:fld>
             <a:endParaRPr lang="en-US"/>
           </a:p>
@@ -11032,7 +11033,7 @@
           <a:p>
             <a:fld id="{E80C50CD-E178-4744-9B35-B2F624D6C5E9}" type="datetimeFigureOut">
               <a:rPr lang="en-US" smtClean="0"/>
-              <a:t>1/12/2026</a:t>
+              <a:t>2/16/2026</a:t>
             </a:fld>
             <a:endParaRPr lang="en-US"/>
           </a:p>
@@ -11145,7 +11146,7 @@
           <a:p>
             <a:fld id="{E80C50CD-E178-4744-9B35-B2F624D6C5E9}" type="datetimeFigureOut">
               <a:rPr lang="en-US" smtClean="0"/>
-              <a:t>1/12/2026</a:t>
+              <a:t>2/16/2026</a:t>
             </a:fld>
             <a:endParaRPr lang="en-US"/>
           </a:p>
@@ -11462,7 +11463,7 @@
           <a:p>
             <a:fld id="{E80C50CD-E178-4744-9B35-B2F624D6C5E9}" type="datetimeFigureOut">
               <a:rPr lang="en-US" smtClean="0"/>
-              <a:t>1/12/2026</a:t>
+              <a:t>2/16/2026</a:t>
             </a:fld>
             <a:endParaRPr lang="en-US"/>
           </a:p>
@@ -11754,7 +11755,7 @@
           <a:p>
             <a:fld id="{E80C50CD-E178-4744-9B35-B2F624D6C5E9}" type="datetimeFigureOut">
               <a:rPr lang="en-US" smtClean="0"/>
-              <a:t>1/12/2026</a:t>
+              <a:t>2/16/2026</a:t>
             </a:fld>
             <a:endParaRPr lang="en-US"/>
           </a:p>
@@ -11994,7 +11995,7 @@
             <a:fld id="{E80C50CD-E178-4744-9B35-B2F624D6C5E9}" type="datetimeFigureOut">
               <a:rPr lang="en-US" smtClean="0"/>
               <a:pPr/>
-              <a:t>1/12/2026</a:t>
+              <a:t>2/16/2026</a:t>
             </a:fld>
             <a:endParaRPr lang="en-US"/>
           </a:p>
@@ -12494,6 +12495,1877 @@
 <file path=ppt/slides/slide1.xml><?xml version="1.0" encoding="utf-8"?>
 <p:sld xmlns:a="http://schemas.openxmlformats.org/drawingml/2006/main" xmlns:r="http://schemas.openxmlformats.org/officeDocument/2006/relationships" xmlns:p="http://schemas.openxmlformats.org/presentationml/2006/main">
   <p:cSld>
+    <p:spTree>
+      <p:nvGrpSpPr>
+        <p:cNvPr id="1" name=""/>
+        <p:cNvGrpSpPr/>
+        <p:nvPr/>
+      </p:nvGrpSpPr>
+      <p:grpSpPr>
+        <a:xfrm>
+          <a:off x="0" y="0"/>
+          <a:ext cx="0" cy="0"/>
+          <a:chOff x="0" y="0"/>
+          <a:chExt cx="0" cy="0"/>
+        </a:xfrm>
+      </p:grpSpPr>
+      <p:sp>
+        <p:nvSpPr>
+          <p:cNvPr id="2" name="Title 1">
+            <a:extLst>
+              <a:ext uri="{FF2B5EF4-FFF2-40B4-BE49-F238E27FC236}">
+                <a16:creationId xmlns:a16="http://schemas.microsoft.com/office/drawing/2014/main" id="{0A8888D9-8305-0465-4F3D-7DA298735475}"/>
+              </a:ext>
+            </a:extLst>
+          </p:cNvPr>
+          <p:cNvSpPr>
+            <a:spLocks noGrp="1"/>
+          </p:cNvSpPr>
+          <p:nvPr>
+            <p:ph type="title"/>
+          </p:nvPr>
+        </p:nvSpPr>
+        <p:spPr>
+          <a:xfrm>
+            <a:off x="521208" y="978408"/>
+            <a:ext cx="6263640" cy="1463040"/>
+          </a:xfrm>
+        </p:spPr>
+        <p:txBody>
+          <a:bodyPr>
+            <a:normAutofit/>
+          </a:bodyPr>
+          <a:lstStyle/>
+          <a:p>
+            <a:r>
+              <a:rPr lang="hu-HU" dirty="0"/>
+              <a:t>GitHub </a:t>
+            </a:r>
+            <a:r>
+              <a:rPr lang="hu-HU" dirty="0" err="1"/>
+              <a:t>repository</a:t>
+            </a:r>
+            <a:endParaRPr lang="en-US" dirty="0"/>
+          </a:p>
+        </p:txBody>
+      </p:sp>
+      <p:sp>
+        <p:nvSpPr>
+          <p:cNvPr id="3" name="Content Placeholder 2">
+            <a:extLst>
+              <a:ext uri="{FF2B5EF4-FFF2-40B4-BE49-F238E27FC236}">
+                <a16:creationId xmlns:a16="http://schemas.microsoft.com/office/drawing/2014/main" id="{B5CB6470-8D30-EA9B-70C6-C8C1DD303D15}"/>
+              </a:ext>
+            </a:extLst>
+          </p:cNvPr>
+          <p:cNvSpPr>
+            <a:spLocks noGrp="1"/>
+          </p:cNvSpPr>
+          <p:nvPr>
+            <p:ph idx="1"/>
+          </p:nvPr>
+        </p:nvSpPr>
+        <p:spPr>
+          <a:xfrm>
+            <a:off x="567934" y="2161914"/>
+            <a:ext cx="7695849" cy="3767328"/>
+          </a:xfrm>
+        </p:spPr>
+        <p:txBody>
+          <a:bodyPr>
+            <a:normAutofit/>
+          </a:bodyPr>
+          <a:lstStyle/>
+          <a:p>
+            <a:pPr marL="0" indent="0">
+              <a:buNone/>
+            </a:pPr>
+            <a:r>
+              <a:rPr lang="hu-HU" sz="2400" dirty="0"/>
+              <a:t>A tantárgyhoz kapcsolódó anyagok és példaprogramok elérhetők az alábbi GitHub linken:</a:t>
+            </a:r>
+          </a:p>
+          <a:p>
+            <a:pPr marL="0" indent="0">
+              <a:buNone/>
+            </a:pPr>
+            <a:endParaRPr lang="hu-HU" dirty="0"/>
+          </a:p>
+          <a:p>
+            <a:pPr marL="0" indent="0">
+              <a:buNone/>
+            </a:pPr>
+            <a:r>
+              <a:rPr lang="hu-HU" sz="2400" dirty="0">
+                <a:hlinkClick r:id="rId2"/>
+              </a:rPr>
+              <a:t>https://github.com/zbalogh/oe-internetes-alkalmazasok</a:t>
+            </a:r>
+            <a:endParaRPr lang="hu-HU" sz="2400" dirty="0"/>
+          </a:p>
+          <a:p>
+            <a:pPr marL="0" indent="0">
+              <a:buNone/>
+            </a:pPr>
+            <a:endParaRPr lang="hu-HU" dirty="0"/>
+          </a:p>
+        </p:txBody>
+      </p:sp>
+      <p:pic>
+        <p:nvPicPr>
+          <p:cNvPr id="5" name="Picture 4">
+            <a:extLst>
+              <a:ext uri="{FF2B5EF4-FFF2-40B4-BE49-F238E27FC236}">
+                <a16:creationId xmlns:a16="http://schemas.microsoft.com/office/drawing/2014/main" id="{1D9CE131-709F-8000-6809-6F51AE690880}"/>
+              </a:ext>
+            </a:extLst>
+          </p:cNvPr>
+          <p:cNvPicPr>
+            <a:picLocks noChangeAspect="1"/>
+          </p:cNvPicPr>
+          <p:nvPr/>
+        </p:nvPicPr>
+        <p:blipFill>
+          <a:blip r:embed="rId3">
+            <a:extLst>
+              <a:ext uri="{28A0092B-C50C-407E-A947-70E740481C1C}">
+                <a14:useLocalDpi xmlns:a14="http://schemas.microsoft.com/office/drawing/2010/main" val="0"/>
+              </a:ext>
+            </a:extLst>
+          </a:blip>
+          <a:stretch>
+            <a:fillRect/>
+          </a:stretch>
+        </p:blipFill>
+        <p:spPr>
+          <a:xfrm flipH="1">
+            <a:off x="8492246" y="2161914"/>
+            <a:ext cx="3178835" cy="3178835"/>
+          </a:xfrm>
+          <a:prstGeom prst="rect">
+            <a:avLst/>
+          </a:prstGeom>
+        </p:spPr>
+      </p:pic>
+    </p:spTree>
+    <p:extLst>
+      <p:ext uri="{BB962C8B-B14F-4D97-AF65-F5344CB8AC3E}">
+        <p14:creationId xmlns:p14="http://schemas.microsoft.com/office/powerpoint/2010/main" val="464779225"/>
+      </p:ext>
+    </p:extLst>
+  </p:cSld>
+  <p:clrMapOvr>
+    <a:masterClrMapping/>
+  </p:clrMapOvr>
+</p:sld>
+</file>
+
+<file path=ppt/slides/slide10.xml><?xml version="1.0" encoding="utf-8"?>
+<p:sld xmlns:a="http://schemas.openxmlformats.org/drawingml/2006/main" xmlns:r="http://schemas.openxmlformats.org/officeDocument/2006/relationships" xmlns:p="http://schemas.openxmlformats.org/presentationml/2006/main">
+  <p:cSld>
+    <p:spTree>
+      <p:nvGrpSpPr>
+        <p:cNvPr id="1" name=""/>
+        <p:cNvGrpSpPr/>
+        <p:nvPr/>
+      </p:nvGrpSpPr>
+      <p:grpSpPr>
+        <a:xfrm>
+          <a:off x="0" y="0"/>
+          <a:ext cx="0" cy="0"/>
+          <a:chOff x="0" y="0"/>
+          <a:chExt cx="0" cy="0"/>
+        </a:xfrm>
+      </p:grpSpPr>
+      <p:sp>
+        <p:nvSpPr>
+          <p:cNvPr id="2" name="Title 1">
+            <a:extLst>
+              <a:ext uri="{FF2B5EF4-FFF2-40B4-BE49-F238E27FC236}">
+                <a16:creationId xmlns:a16="http://schemas.microsoft.com/office/drawing/2014/main" id="{043CE5F4-1A51-68F3-3BE1-3484D91EEAB8}"/>
+              </a:ext>
+            </a:extLst>
+          </p:cNvPr>
+          <p:cNvSpPr>
+            <a:spLocks noGrp="1"/>
+          </p:cNvSpPr>
+          <p:nvPr>
+            <p:ph type="title"/>
+          </p:nvPr>
+        </p:nvSpPr>
+        <p:spPr/>
+        <p:txBody>
+          <a:bodyPr>
+            <a:normAutofit/>
+          </a:bodyPr>
+          <a:lstStyle/>
+          <a:p>
+            <a:r>
+              <a:rPr lang="en-US" sz="4000" dirty="0" err="1"/>
+              <a:t>Tanúsítvány</a:t>
+            </a:r>
+            <a:r>
+              <a:rPr lang="en-US" sz="4000" dirty="0"/>
+              <a:t> </a:t>
+            </a:r>
+            <a:r>
+              <a:rPr lang="en-US" sz="4000" dirty="0" err="1"/>
+              <a:t>érvényesség</a:t>
+            </a:r>
+            <a:r>
+              <a:rPr lang="en-US" sz="4000" dirty="0"/>
+              <a:t> és </a:t>
+            </a:r>
+            <a:r>
+              <a:rPr lang="en-US" sz="4000" dirty="0" err="1"/>
+              <a:t>visszavonás</a:t>
+            </a:r>
+            <a:endParaRPr lang="en-US" sz="4000" dirty="0"/>
+          </a:p>
+        </p:txBody>
+      </p:sp>
+      <p:sp>
+        <p:nvSpPr>
+          <p:cNvPr id="3" name="Content Placeholder 2">
+            <a:extLst>
+              <a:ext uri="{FF2B5EF4-FFF2-40B4-BE49-F238E27FC236}">
+                <a16:creationId xmlns:a16="http://schemas.microsoft.com/office/drawing/2014/main" id="{E79DC665-0FC4-4862-C322-991750F785F4}"/>
+              </a:ext>
+            </a:extLst>
+          </p:cNvPr>
+          <p:cNvSpPr>
+            <a:spLocks noGrp="1"/>
+          </p:cNvSpPr>
+          <p:nvPr>
+            <p:ph idx="1"/>
+          </p:nvPr>
+        </p:nvSpPr>
+        <p:spPr>
+          <a:xfrm>
+            <a:off x="518160" y="2273808"/>
+            <a:ext cx="11155680" cy="3767328"/>
+          </a:xfrm>
+        </p:spPr>
+        <p:txBody>
+          <a:bodyPr>
+            <a:normAutofit/>
+          </a:bodyPr>
+          <a:lstStyle/>
+          <a:p>
+            <a:pPr>
+              <a:lnSpc>
+                <a:spcPct val="150000"/>
+              </a:lnSpc>
+            </a:pPr>
+            <a:r>
+              <a:rPr lang="hu-HU" sz="2400" dirty="0"/>
+              <a:t>A tanúsítványok érvényességi idővel rendelkeznek</a:t>
+            </a:r>
+          </a:p>
+          <a:p>
+            <a:pPr>
+              <a:lnSpc>
+                <a:spcPct val="150000"/>
+              </a:lnSpc>
+            </a:pPr>
+            <a:r>
+              <a:rPr lang="en-US" sz="2400" dirty="0"/>
+              <a:t>A </a:t>
+            </a:r>
+            <a:r>
+              <a:rPr lang="en-US" sz="2400" dirty="0" err="1"/>
+              <a:t>tanúsítvány</a:t>
+            </a:r>
+            <a:r>
+              <a:rPr lang="en-US" sz="2400" dirty="0"/>
+              <a:t> </a:t>
+            </a:r>
+            <a:r>
+              <a:rPr lang="en-US" sz="2400" dirty="0" err="1"/>
+              <a:t>visszavonható</a:t>
+            </a:r>
+            <a:r>
+              <a:rPr lang="en-US" sz="2400" dirty="0"/>
+              <a:t>, </a:t>
+            </a:r>
+            <a:r>
+              <a:rPr lang="en-US" sz="2400" dirty="0" err="1"/>
+              <a:t>például</a:t>
+            </a:r>
+            <a:r>
+              <a:rPr lang="en-US" sz="2400" dirty="0"/>
+              <a:t> ha a </a:t>
+            </a:r>
+            <a:r>
+              <a:rPr lang="en-US" sz="2400" dirty="0" err="1"/>
+              <a:t>privát</a:t>
+            </a:r>
+            <a:r>
+              <a:rPr lang="en-US" sz="2400" dirty="0"/>
+              <a:t> </a:t>
+            </a:r>
+            <a:r>
+              <a:rPr lang="en-US" sz="2400" dirty="0" err="1"/>
+              <a:t>kulcs</a:t>
+            </a:r>
+            <a:r>
+              <a:rPr lang="en-US" sz="2400" dirty="0"/>
+              <a:t> </a:t>
+            </a:r>
+            <a:r>
+              <a:rPr lang="en-US" sz="2400" dirty="0" err="1"/>
+              <a:t>kompromittálódott</a:t>
+            </a:r>
+            <a:endParaRPr lang="hu-HU" sz="2400" dirty="0"/>
+          </a:p>
+          <a:p>
+            <a:pPr>
+              <a:lnSpc>
+                <a:spcPct val="150000"/>
+              </a:lnSpc>
+            </a:pPr>
+            <a:r>
+              <a:rPr lang="en-US" sz="2400" b="1" dirty="0"/>
+              <a:t>CRL</a:t>
+            </a:r>
+            <a:r>
+              <a:rPr lang="hu-HU" sz="2400" dirty="0"/>
+              <a:t> (</a:t>
+            </a:r>
+            <a:r>
+              <a:rPr lang="hu-HU" sz="2400" dirty="0" err="1"/>
+              <a:t>Certificate</a:t>
+            </a:r>
+            <a:r>
+              <a:rPr lang="hu-HU" sz="2400" dirty="0"/>
+              <a:t> </a:t>
+            </a:r>
+            <a:r>
+              <a:rPr lang="hu-HU" sz="2400" dirty="0" err="1"/>
+              <a:t>Revocation</a:t>
+            </a:r>
+            <a:r>
+              <a:rPr lang="hu-HU" sz="2400" dirty="0"/>
+              <a:t> List)</a:t>
+            </a:r>
+            <a:endParaRPr lang="en-US" sz="2400" dirty="0"/>
+          </a:p>
+          <a:p>
+            <a:pPr>
+              <a:lnSpc>
+                <a:spcPct val="150000"/>
+              </a:lnSpc>
+            </a:pPr>
+            <a:r>
+              <a:rPr lang="en-US" sz="2400" b="1" dirty="0"/>
+              <a:t>OCSP</a:t>
+            </a:r>
+            <a:r>
+              <a:rPr lang="hu-HU" sz="2400" dirty="0"/>
+              <a:t> </a:t>
+            </a:r>
+            <a:r>
+              <a:rPr lang="en-US" sz="2400" dirty="0"/>
+              <a:t>(Online Certificate Status Protocol)</a:t>
+            </a:r>
+          </a:p>
+          <a:p>
+            <a:pPr>
+              <a:lnSpc>
+                <a:spcPct val="150000"/>
+              </a:lnSpc>
+            </a:pPr>
+            <a:r>
+              <a:rPr lang="en-US" sz="2400" b="1" dirty="0"/>
+              <a:t>OCSP</a:t>
+            </a:r>
+            <a:r>
+              <a:rPr lang="en-US" sz="2400" dirty="0"/>
+              <a:t> stapling</a:t>
+            </a:r>
+          </a:p>
+        </p:txBody>
+      </p:sp>
+    </p:spTree>
+    <p:extLst>
+      <p:ext uri="{BB962C8B-B14F-4D97-AF65-F5344CB8AC3E}">
+        <p14:creationId xmlns:p14="http://schemas.microsoft.com/office/powerpoint/2010/main" val="1125072361"/>
+      </p:ext>
+    </p:extLst>
+  </p:cSld>
+  <p:clrMapOvr>
+    <a:masterClrMapping/>
+  </p:clrMapOvr>
+</p:sld>
+</file>
+
+<file path=ppt/slides/slide11.xml><?xml version="1.0" encoding="utf-8"?>
+<p:sld xmlns:a="http://schemas.openxmlformats.org/drawingml/2006/main" xmlns:r="http://schemas.openxmlformats.org/officeDocument/2006/relationships" xmlns:p="http://schemas.openxmlformats.org/presentationml/2006/main">
+  <p:cSld>
+    <p:spTree>
+      <p:nvGrpSpPr>
+        <p:cNvPr id="1" name=""/>
+        <p:cNvGrpSpPr/>
+        <p:nvPr/>
+      </p:nvGrpSpPr>
+      <p:grpSpPr>
+        <a:xfrm>
+          <a:off x="0" y="0"/>
+          <a:ext cx="0" cy="0"/>
+          <a:chOff x="0" y="0"/>
+          <a:chExt cx="0" cy="0"/>
+        </a:xfrm>
+      </p:grpSpPr>
+      <p:sp>
+        <p:nvSpPr>
+          <p:cNvPr id="2" name="Title 1">
+            <a:extLst>
+              <a:ext uri="{FF2B5EF4-FFF2-40B4-BE49-F238E27FC236}">
+                <a16:creationId xmlns:a16="http://schemas.microsoft.com/office/drawing/2014/main" id="{335DB4BD-B8A8-6D3B-AF99-84624E331854}"/>
+              </a:ext>
+            </a:extLst>
+          </p:cNvPr>
+          <p:cNvSpPr>
+            <a:spLocks noGrp="1"/>
+          </p:cNvSpPr>
+          <p:nvPr>
+            <p:ph type="title"/>
+          </p:nvPr>
+        </p:nvSpPr>
+        <p:spPr>
+          <a:xfrm>
+            <a:off x="521208" y="978408"/>
+            <a:ext cx="11155680" cy="1021080"/>
+          </a:xfrm>
+        </p:spPr>
+        <p:txBody>
+          <a:bodyPr>
+            <a:normAutofit/>
+          </a:bodyPr>
+          <a:lstStyle/>
+          <a:p>
+            <a:r>
+              <a:rPr lang="en-US" sz="4000" dirty="0"/>
+              <a:t>TLS Handshake (</a:t>
+            </a:r>
+            <a:r>
+              <a:rPr lang="en-US" sz="4000" dirty="0" err="1"/>
+              <a:t>általános</a:t>
+            </a:r>
+            <a:r>
+              <a:rPr lang="en-US" sz="4000" dirty="0"/>
+              <a:t> </a:t>
+            </a:r>
+            <a:r>
+              <a:rPr lang="en-US" sz="4000" dirty="0" err="1"/>
+              <a:t>áttekintés</a:t>
+            </a:r>
+            <a:r>
+              <a:rPr lang="en-US" sz="4000" dirty="0"/>
+              <a:t>)</a:t>
+            </a:r>
+          </a:p>
+        </p:txBody>
+      </p:sp>
+      <p:sp>
+        <p:nvSpPr>
+          <p:cNvPr id="3" name="Content Placeholder 2">
+            <a:extLst>
+              <a:ext uri="{FF2B5EF4-FFF2-40B4-BE49-F238E27FC236}">
+                <a16:creationId xmlns:a16="http://schemas.microsoft.com/office/drawing/2014/main" id="{A190D018-EECC-6881-9C15-5B747B00BCC7}"/>
+              </a:ext>
+            </a:extLst>
+          </p:cNvPr>
+          <p:cNvSpPr>
+            <a:spLocks noGrp="1"/>
+          </p:cNvSpPr>
+          <p:nvPr>
+            <p:ph idx="1"/>
+          </p:nvPr>
+        </p:nvSpPr>
+        <p:spPr>
+          <a:xfrm>
+            <a:off x="518160" y="2086105"/>
+            <a:ext cx="11155680" cy="4476740"/>
+          </a:xfrm>
+        </p:spPr>
+        <p:txBody>
+          <a:bodyPr>
+            <a:normAutofit/>
+          </a:bodyPr>
+          <a:lstStyle/>
+          <a:p>
+            <a:pPr marL="0" indent="0">
+              <a:lnSpc>
+                <a:spcPct val="150000"/>
+              </a:lnSpc>
+              <a:spcBef>
+                <a:spcPts val="0"/>
+              </a:spcBef>
+              <a:spcAft>
+                <a:spcPts val="1800"/>
+              </a:spcAft>
+              <a:buNone/>
+            </a:pPr>
+            <a:r>
+              <a:rPr lang="hu-HU" sz="2400" dirty="0"/>
+              <a:t>A </a:t>
+            </a:r>
+            <a:r>
+              <a:rPr lang="hu-HU" sz="2400" dirty="0" err="1"/>
+              <a:t>handshake</a:t>
+            </a:r>
+            <a:r>
+              <a:rPr lang="hu-HU" sz="2400" dirty="0"/>
+              <a:t> </a:t>
+            </a:r>
+            <a:r>
+              <a:rPr lang="hu-HU" sz="2400" dirty="0" err="1"/>
+              <a:t>céja</a:t>
+            </a:r>
+            <a:r>
+              <a:rPr lang="hu-HU" sz="2400" dirty="0"/>
+              <a:t>, a </a:t>
+            </a:r>
+            <a:r>
+              <a:rPr lang="hu-HU" sz="2400" b="1" dirty="0"/>
+              <a:t>biztonságos csatorna felépítése</a:t>
+            </a:r>
+          </a:p>
+          <a:p>
+            <a:pPr>
+              <a:lnSpc>
+                <a:spcPct val="150000"/>
+              </a:lnSpc>
+              <a:spcBef>
+                <a:spcPts val="0"/>
+              </a:spcBef>
+            </a:pPr>
+            <a:r>
+              <a:rPr lang="en-US" sz="2400" b="1" dirty="0" err="1"/>
+              <a:t>Kliens</a:t>
+            </a:r>
+            <a:r>
+              <a:rPr lang="en-US" sz="2400" dirty="0"/>
+              <a:t> → </a:t>
+            </a:r>
+            <a:r>
+              <a:rPr lang="en-US" sz="2400" dirty="0" err="1"/>
+              <a:t>Szerver</a:t>
+            </a:r>
+            <a:r>
+              <a:rPr lang="en-US" sz="2400" dirty="0"/>
+              <a:t>: </a:t>
+            </a:r>
+            <a:r>
+              <a:rPr lang="en-US" sz="2400" dirty="0" err="1"/>
+              <a:t>képességek</a:t>
+            </a:r>
+            <a:r>
+              <a:rPr lang="en-US" sz="2400" dirty="0"/>
+              <a:t>, </a:t>
+            </a:r>
+            <a:r>
+              <a:rPr lang="en-US" sz="2400" dirty="0" err="1"/>
+              <a:t>algoritmusok</a:t>
+            </a:r>
+            <a:endParaRPr lang="en-US" sz="2400" dirty="0"/>
+          </a:p>
+          <a:p>
+            <a:pPr>
+              <a:lnSpc>
+                <a:spcPct val="150000"/>
+              </a:lnSpc>
+              <a:spcBef>
+                <a:spcPts val="0"/>
+              </a:spcBef>
+            </a:pPr>
+            <a:r>
+              <a:rPr lang="en-US" sz="2400" b="1" dirty="0" err="1"/>
+              <a:t>Szerver</a:t>
+            </a:r>
+            <a:r>
+              <a:rPr lang="en-US" sz="2400" dirty="0"/>
+              <a:t> → </a:t>
+            </a:r>
+            <a:r>
+              <a:rPr lang="en-US" sz="2400" dirty="0" err="1"/>
+              <a:t>Kliens</a:t>
+            </a:r>
+            <a:r>
+              <a:rPr lang="en-US" sz="2400" dirty="0"/>
+              <a:t>: </a:t>
+            </a:r>
+            <a:r>
+              <a:rPr lang="en-US" sz="2400" dirty="0" err="1"/>
+              <a:t>tanúsítvány</a:t>
+            </a:r>
+            <a:r>
+              <a:rPr lang="en-US" sz="2400" dirty="0"/>
+              <a:t>, </a:t>
+            </a:r>
+            <a:r>
+              <a:rPr lang="en-US" sz="2400" dirty="0" err="1"/>
+              <a:t>választott</a:t>
+            </a:r>
+            <a:r>
+              <a:rPr lang="en-US" sz="2400" dirty="0"/>
+              <a:t> </a:t>
+            </a:r>
+            <a:r>
+              <a:rPr lang="en-US" sz="2400" dirty="0" err="1"/>
+              <a:t>algoritmusok</a:t>
+            </a:r>
+            <a:endParaRPr lang="en-US" sz="2400" dirty="0"/>
+          </a:p>
+          <a:p>
+            <a:pPr>
+              <a:lnSpc>
+                <a:spcPct val="150000"/>
+              </a:lnSpc>
+              <a:spcBef>
+                <a:spcPts val="0"/>
+              </a:spcBef>
+            </a:pPr>
+            <a:r>
+              <a:rPr lang="en-US" sz="2400" b="1" dirty="0" err="1"/>
+              <a:t>Kulcscsere</a:t>
+            </a:r>
+            <a:r>
+              <a:rPr lang="hu-HU" sz="2400" dirty="0"/>
+              <a:t> (aszimmetrikus titkosítás)</a:t>
+            </a:r>
+            <a:endParaRPr lang="en-US" sz="2400" dirty="0"/>
+          </a:p>
+          <a:p>
+            <a:pPr>
+              <a:lnSpc>
+                <a:spcPct val="150000"/>
+              </a:lnSpc>
+              <a:spcBef>
+                <a:spcPts val="0"/>
+              </a:spcBef>
+            </a:pPr>
+            <a:r>
+              <a:rPr lang="en-US" sz="2400" b="1" dirty="0"/>
+              <a:t>Session key </a:t>
+            </a:r>
+            <a:r>
+              <a:rPr lang="hu-HU" sz="2400" dirty="0"/>
+              <a:t>(titkos kulcs) </a:t>
+            </a:r>
+            <a:r>
+              <a:rPr lang="en-US" sz="2400" dirty="0" err="1"/>
+              <a:t>létrehozása</a:t>
+            </a:r>
+            <a:endParaRPr lang="en-US" sz="2400" dirty="0"/>
+          </a:p>
+          <a:p>
+            <a:pPr>
+              <a:lnSpc>
+                <a:spcPct val="150000"/>
+              </a:lnSpc>
+              <a:spcBef>
+                <a:spcPts val="0"/>
+              </a:spcBef>
+            </a:pPr>
+            <a:r>
+              <a:rPr lang="en-US" sz="2400" b="1" dirty="0" err="1"/>
+              <a:t>Titkosított</a:t>
+            </a:r>
+            <a:r>
+              <a:rPr lang="en-US" sz="2400" b="1" dirty="0"/>
+              <a:t> </a:t>
+            </a:r>
+            <a:r>
+              <a:rPr lang="en-US" sz="2400" b="1" dirty="0" err="1"/>
+              <a:t>kommunikáció</a:t>
+            </a:r>
+            <a:r>
+              <a:rPr lang="en-US" sz="2400" b="1" dirty="0"/>
+              <a:t> </a:t>
+            </a:r>
+            <a:r>
+              <a:rPr lang="en-US" sz="2400" dirty="0" err="1"/>
+              <a:t>indul</a:t>
+            </a:r>
+            <a:r>
+              <a:rPr lang="hu-HU" sz="2400" dirty="0"/>
+              <a:t> (szimmetrikus titkosítás)</a:t>
+            </a:r>
+            <a:endParaRPr lang="en-US" sz="2400" dirty="0"/>
+          </a:p>
+          <a:p>
+            <a:pPr marL="0" indent="0">
+              <a:buNone/>
+            </a:pPr>
+            <a:endParaRPr lang="en-US" dirty="0"/>
+          </a:p>
+        </p:txBody>
+      </p:sp>
+    </p:spTree>
+    <p:extLst>
+      <p:ext uri="{BB962C8B-B14F-4D97-AF65-F5344CB8AC3E}">
+        <p14:creationId xmlns:p14="http://schemas.microsoft.com/office/powerpoint/2010/main" val="700236604"/>
+      </p:ext>
+    </p:extLst>
+  </p:cSld>
+  <p:clrMapOvr>
+    <a:masterClrMapping/>
+  </p:clrMapOvr>
+</p:sld>
+</file>
+
+<file path=ppt/slides/slide12.xml><?xml version="1.0" encoding="utf-8"?>
+<p:sld xmlns:a="http://schemas.openxmlformats.org/drawingml/2006/main" xmlns:r="http://schemas.openxmlformats.org/officeDocument/2006/relationships" xmlns:p="http://schemas.openxmlformats.org/presentationml/2006/main">
+  <p:cSld>
+    <p:spTree>
+      <p:nvGrpSpPr>
+        <p:cNvPr id="1" name=""/>
+        <p:cNvGrpSpPr/>
+        <p:nvPr/>
+      </p:nvGrpSpPr>
+      <p:grpSpPr>
+        <a:xfrm>
+          <a:off x="0" y="0"/>
+          <a:ext cx="0" cy="0"/>
+          <a:chOff x="0" y="0"/>
+          <a:chExt cx="0" cy="0"/>
+        </a:xfrm>
+      </p:grpSpPr>
+      <p:sp>
+        <p:nvSpPr>
+          <p:cNvPr id="2" name="Title 1">
+            <a:extLst>
+              <a:ext uri="{FF2B5EF4-FFF2-40B4-BE49-F238E27FC236}">
+                <a16:creationId xmlns:a16="http://schemas.microsoft.com/office/drawing/2014/main" id="{DF72404F-FE0B-46E6-BFA3-490A8D9C9060}"/>
+              </a:ext>
+            </a:extLst>
+          </p:cNvPr>
+          <p:cNvSpPr>
+            <a:spLocks noGrp="1"/>
+          </p:cNvSpPr>
+          <p:nvPr>
+            <p:ph type="title"/>
+          </p:nvPr>
+        </p:nvSpPr>
+        <p:spPr>
+          <a:xfrm>
+            <a:off x="521208" y="813864"/>
+            <a:ext cx="11155680" cy="806592"/>
+          </a:xfrm>
+        </p:spPr>
+        <p:txBody>
+          <a:bodyPr>
+            <a:normAutofit/>
+          </a:bodyPr>
+          <a:lstStyle/>
+          <a:p>
+            <a:r>
+              <a:rPr lang="hu-HU" sz="4000" dirty="0"/>
+              <a:t>(HTTPS) </a:t>
+            </a:r>
+            <a:r>
+              <a:rPr lang="en-US" sz="4000" dirty="0"/>
+              <a:t>TLS 1.2 Handshake</a:t>
+            </a:r>
+          </a:p>
+        </p:txBody>
+      </p:sp>
+      <p:sp>
+        <p:nvSpPr>
+          <p:cNvPr id="3" name="Content Placeholder 2">
+            <a:extLst>
+              <a:ext uri="{FF2B5EF4-FFF2-40B4-BE49-F238E27FC236}">
+                <a16:creationId xmlns:a16="http://schemas.microsoft.com/office/drawing/2014/main" id="{F9798CD4-66E2-7CD6-E406-5DB0F08EF5C4}"/>
+              </a:ext>
+            </a:extLst>
+          </p:cNvPr>
+          <p:cNvSpPr>
+            <a:spLocks noGrp="1"/>
+          </p:cNvSpPr>
+          <p:nvPr>
+            <p:ph idx="1"/>
+          </p:nvPr>
+        </p:nvSpPr>
+        <p:spPr>
+          <a:xfrm>
+            <a:off x="613806" y="1921002"/>
+            <a:ext cx="6018488" cy="4123134"/>
+          </a:xfrm>
+        </p:spPr>
+        <p:txBody>
+          <a:bodyPr>
+            <a:normAutofit fontScale="92500" lnSpcReduction="10000"/>
+          </a:bodyPr>
+          <a:lstStyle/>
+          <a:p>
+            <a:r>
+              <a:rPr lang="en-US" sz="2600" dirty="0" err="1"/>
+              <a:t>ClientHello</a:t>
+            </a:r>
+            <a:r>
+              <a:rPr lang="hu-HU" sz="2600" dirty="0"/>
+              <a:t> üzenet</a:t>
+            </a:r>
+            <a:endParaRPr lang="en-US" sz="2600" dirty="0"/>
+          </a:p>
+          <a:p>
+            <a:r>
+              <a:rPr lang="en-US" sz="2600" dirty="0" err="1"/>
+              <a:t>ServerHello</a:t>
+            </a:r>
+            <a:r>
+              <a:rPr lang="hu-HU" sz="2600" dirty="0"/>
+              <a:t> üzenet</a:t>
+            </a:r>
+            <a:endParaRPr lang="en-US" sz="2600" dirty="0"/>
+          </a:p>
+          <a:p>
+            <a:r>
+              <a:rPr lang="hu-HU" sz="2600" dirty="0"/>
+              <a:t>Server </a:t>
+            </a:r>
+            <a:r>
+              <a:rPr lang="en-US" sz="2600" dirty="0"/>
+              <a:t>Certificate</a:t>
+            </a:r>
+            <a:r>
+              <a:rPr lang="hu-HU" sz="2600" dirty="0"/>
+              <a:t> küldése</a:t>
+            </a:r>
+            <a:endParaRPr lang="en-US" sz="2600" dirty="0"/>
+          </a:p>
+          <a:p>
+            <a:r>
+              <a:rPr lang="en-US" sz="2600" dirty="0" err="1"/>
+              <a:t>ServerKeyExchange</a:t>
+            </a:r>
+            <a:r>
+              <a:rPr lang="hu-HU" sz="2600" dirty="0"/>
+              <a:t> üzenet (opcionális)</a:t>
+            </a:r>
+          </a:p>
+          <a:p>
+            <a:r>
+              <a:rPr lang="en-US" sz="2600" dirty="0" err="1"/>
+              <a:t>ClientKeyExchange</a:t>
+            </a:r>
+            <a:r>
+              <a:rPr lang="hu-HU" sz="2600" dirty="0"/>
+              <a:t> üzenet</a:t>
+            </a:r>
+          </a:p>
+          <a:p>
+            <a:r>
+              <a:rPr lang="hu-HU" sz="2600" dirty="0"/>
+              <a:t>Session </a:t>
+            </a:r>
+            <a:r>
+              <a:rPr lang="hu-HU" sz="2600" dirty="0" err="1"/>
+              <a:t>key</a:t>
+            </a:r>
+            <a:r>
+              <a:rPr lang="hu-HU" sz="2600" dirty="0"/>
+              <a:t> generálása</a:t>
+            </a:r>
+            <a:endParaRPr lang="en-US" sz="2600" dirty="0"/>
+          </a:p>
+          <a:p>
+            <a:r>
+              <a:rPr lang="en-US" sz="2600" dirty="0" err="1"/>
+              <a:t>ChangeCipherSpec</a:t>
+            </a:r>
+            <a:r>
+              <a:rPr lang="hu-HU" sz="2600" dirty="0"/>
+              <a:t> üzenetek</a:t>
+            </a:r>
+            <a:endParaRPr lang="en-US" sz="2600" dirty="0"/>
+          </a:p>
+          <a:p>
+            <a:r>
+              <a:rPr lang="en-US" sz="2600" dirty="0"/>
+              <a:t>Finished </a:t>
+            </a:r>
+            <a:r>
+              <a:rPr lang="en-US" sz="2600" dirty="0" err="1"/>
+              <a:t>üzenetek</a:t>
+            </a:r>
+            <a:endParaRPr lang="en-US" sz="2600" dirty="0"/>
+          </a:p>
+          <a:p>
+            <a:pPr marL="0" indent="0">
+              <a:buNone/>
+            </a:pPr>
+            <a:endParaRPr lang="en-US" dirty="0"/>
+          </a:p>
+        </p:txBody>
+      </p:sp>
+      <p:pic>
+        <p:nvPicPr>
+          <p:cNvPr id="5" name="Picture 4" descr="A screenshot of a computer&#10;&#10;AI-generated content may be incorrect.">
+            <a:extLst>
+              <a:ext uri="{FF2B5EF4-FFF2-40B4-BE49-F238E27FC236}">
+                <a16:creationId xmlns:a16="http://schemas.microsoft.com/office/drawing/2014/main" id="{F6DABC57-9C56-3612-53E1-0894379DFCF6}"/>
+              </a:ext>
+            </a:extLst>
+          </p:cNvPr>
+          <p:cNvPicPr>
+            <a:picLocks noChangeAspect="1"/>
+          </p:cNvPicPr>
+          <p:nvPr/>
+        </p:nvPicPr>
+        <p:blipFill>
+          <a:blip r:embed="rId3"/>
+          <a:stretch>
+            <a:fillRect/>
+          </a:stretch>
+        </p:blipFill>
+        <p:spPr>
+          <a:xfrm>
+            <a:off x="6910087" y="1605148"/>
+            <a:ext cx="4760706" cy="5165994"/>
+          </a:xfrm>
+          <a:prstGeom prst="rect">
+            <a:avLst/>
+          </a:prstGeom>
+        </p:spPr>
+      </p:pic>
+    </p:spTree>
+    <p:extLst>
+      <p:ext uri="{BB962C8B-B14F-4D97-AF65-F5344CB8AC3E}">
+        <p14:creationId xmlns:p14="http://schemas.microsoft.com/office/powerpoint/2010/main" val="3868854281"/>
+      </p:ext>
+    </p:extLst>
+  </p:cSld>
+  <p:clrMapOvr>
+    <a:masterClrMapping/>
+  </p:clrMapOvr>
+</p:sld>
+</file>
+
+<file path=ppt/slides/slide13.xml><?xml version="1.0" encoding="utf-8"?>
+<p:sld xmlns:a="http://schemas.openxmlformats.org/drawingml/2006/main" xmlns:r="http://schemas.openxmlformats.org/officeDocument/2006/relationships" xmlns:p="http://schemas.openxmlformats.org/presentationml/2006/main">
+  <p:cSld>
+    <p:spTree>
+      <p:nvGrpSpPr>
+        <p:cNvPr id="1" name=""/>
+        <p:cNvGrpSpPr/>
+        <p:nvPr/>
+      </p:nvGrpSpPr>
+      <p:grpSpPr>
+        <a:xfrm>
+          <a:off x="0" y="0"/>
+          <a:ext cx="0" cy="0"/>
+          <a:chOff x="0" y="0"/>
+          <a:chExt cx="0" cy="0"/>
+        </a:xfrm>
+      </p:grpSpPr>
+      <p:sp>
+        <p:nvSpPr>
+          <p:cNvPr id="2" name="Title 1">
+            <a:extLst>
+              <a:ext uri="{FF2B5EF4-FFF2-40B4-BE49-F238E27FC236}">
+                <a16:creationId xmlns:a16="http://schemas.microsoft.com/office/drawing/2014/main" id="{61AE8661-0D26-47E3-CB04-EE008EF01040}"/>
+              </a:ext>
+            </a:extLst>
+          </p:cNvPr>
+          <p:cNvSpPr>
+            <a:spLocks noGrp="1"/>
+          </p:cNvSpPr>
+          <p:nvPr>
+            <p:ph type="title"/>
+          </p:nvPr>
+        </p:nvSpPr>
+        <p:spPr>
+          <a:xfrm>
+            <a:off x="521208" y="978408"/>
+            <a:ext cx="11155680" cy="896691"/>
+          </a:xfrm>
+        </p:spPr>
+        <p:txBody>
+          <a:bodyPr>
+            <a:normAutofit fontScale="90000"/>
+          </a:bodyPr>
+          <a:lstStyle/>
+          <a:p>
+            <a:r>
+              <a:rPr lang="hu-HU" dirty="0"/>
+              <a:t>(HTTPS) </a:t>
+            </a:r>
+            <a:r>
+              <a:rPr lang="en-US" dirty="0"/>
+              <a:t>TLS 1.3 </a:t>
+            </a:r>
+            <a:r>
+              <a:rPr lang="en-US" dirty="0" err="1"/>
+              <a:t>újdonságok</a:t>
+            </a:r>
+            <a:br>
+              <a:rPr lang="en-US" dirty="0"/>
+            </a:br>
+            <a:endParaRPr lang="en-US" dirty="0"/>
+          </a:p>
+        </p:txBody>
+      </p:sp>
+      <p:sp>
+        <p:nvSpPr>
+          <p:cNvPr id="3" name="Content Placeholder 2">
+            <a:extLst>
+              <a:ext uri="{FF2B5EF4-FFF2-40B4-BE49-F238E27FC236}">
+                <a16:creationId xmlns:a16="http://schemas.microsoft.com/office/drawing/2014/main" id="{9A082AF7-FB08-04DC-A259-7C0CCE1B972A}"/>
+              </a:ext>
+            </a:extLst>
+          </p:cNvPr>
+          <p:cNvSpPr>
+            <a:spLocks noGrp="1"/>
+          </p:cNvSpPr>
+          <p:nvPr>
+            <p:ph idx="1"/>
+          </p:nvPr>
+        </p:nvSpPr>
+        <p:spPr>
+          <a:xfrm>
+            <a:off x="521208" y="2277667"/>
+            <a:ext cx="6192108" cy="3767328"/>
+          </a:xfrm>
+        </p:spPr>
+        <p:txBody>
+          <a:bodyPr>
+            <a:normAutofit/>
+          </a:bodyPr>
+          <a:lstStyle/>
+          <a:p>
+            <a:r>
+              <a:rPr lang="hu-HU" sz="2400" dirty="0"/>
+              <a:t>Egyszerűsített </a:t>
+            </a:r>
+            <a:r>
+              <a:rPr lang="hu-HU" sz="2400" dirty="0" err="1"/>
+              <a:t>handshake</a:t>
+            </a:r>
+            <a:endParaRPr lang="hu-HU" sz="2400" dirty="0"/>
+          </a:p>
+          <a:p>
+            <a:r>
+              <a:rPr lang="hu-HU" sz="2400" dirty="0"/>
+              <a:t>Gyorsabb kapcsolatfelépítés</a:t>
+            </a:r>
+          </a:p>
+          <a:p>
+            <a:r>
+              <a:rPr lang="hu-HU" sz="2400" dirty="0"/>
+              <a:t>Modern algoritmusok használata</a:t>
+            </a:r>
+          </a:p>
+          <a:p>
+            <a:r>
+              <a:rPr lang="en-US" sz="2400" dirty="0"/>
+              <a:t>Minden </a:t>
+            </a:r>
+            <a:r>
+              <a:rPr lang="en-US" sz="2400" dirty="0" err="1"/>
+              <a:t>kulcscsere</a:t>
+            </a:r>
+            <a:r>
+              <a:rPr lang="en-US" sz="2400" dirty="0"/>
+              <a:t> ECDHE</a:t>
+            </a:r>
+            <a:r>
+              <a:rPr lang="hu-HU" sz="2400" dirty="0"/>
+              <a:t> algoritmussal</a:t>
+            </a:r>
+          </a:p>
+          <a:p>
+            <a:r>
+              <a:rPr lang="hu-HU" sz="2400" dirty="0"/>
+              <a:t>PFS (</a:t>
+            </a:r>
+            <a:r>
+              <a:rPr lang="hu-HU" sz="2400" dirty="0" err="1"/>
+              <a:t>Perfect</a:t>
+            </a:r>
+            <a:r>
+              <a:rPr lang="hu-HU" sz="2400" dirty="0"/>
+              <a:t> </a:t>
+            </a:r>
+            <a:r>
+              <a:rPr lang="hu-HU" sz="2400" dirty="0" err="1"/>
+              <a:t>Forward</a:t>
+            </a:r>
+            <a:r>
+              <a:rPr lang="hu-HU" sz="2400" dirty="0"/>
+              <a:t> </a:t>
+            </a:r>
+            <a:r>
+              <a:rPr lang="hu-HU" sz="2400" dirty="0" err="1"/>
+              <a:t>Secrecy</a:t>
+            </a:r>
+            <a:r>
+              <a:rPr lang="hu-HU" sz="2400" dirty="0"/>
+              <a:t>) kötelező</a:t>
+            </a:r>
+          </a:p>
+          <a:p>
+            <a:pPr marL="0" indent="0">
+              <a:buNone/>
+            </a:pPr>
+            <a:endParaRPr lang="en-US" dirty="0"/>
+          </a:p>
+        </p:txBody>
+      </p:sp>
+      <p:pic>
+        <p:nvPicPr>
+          <p:cNvPr id="5" name="Picture 4" descr="A diagram of a server&#10;&#10;AI-generated content may be incorrect.">
+            <a:extLst>
+              <a:ext uri="{FF2B5EF4-FFF2-40B4-BE49-F238E27FC236}">
+                <a16:creationId xmlns:a16="http://schemas.microsoft.com/office/drawing/2014/main" id="{4A878760-A1BF-C3F1-349C-59B024225B9B}"/>
+              </a:ext>
+            </a:extLst>
+          </p:cNvPr>
+          <p:cNvPicPr>
+            <a:picLocks noChangeAspect="1"/>
+          </p:cNvPicPr>
+          <p:nvPr/>
+        </p:nvPicPr>
+        <p:blipFill>
+          <a:blip r:embed="rId3"/>
+          <a:stretch>
+            <a:fillRect/>
+          </a:stretch>
+        </p:blipFill>
+        <p:spPr>
+          <a:xfrm>
+            <a:off x="8565266" y="1483520"/>
+            <a:ext cx="2530361" cy="5003473"/>
+          </a:xfrm>
+          <a:prstGeom prst="rect">
+            <a:avLst/>
+          </a:prstGeom>
+        </p:spPr>
+      </p:pic>
+    </p:spTree>
+    <p:extLst>
+      <p:ext uri="{BB962C8B-B14F-4D97-AF65-F5344CB8AC3E}">
+        <p14:creationId xmlns:p14="http://schemas.microsoft.com/office/powerpoint/2010/main" val="2706317847"/>
+      </p:ext>
+    </p:extLst>
+  </p:cSld>
+  <p:clrMapOvr>
+    <a:masterClrMapping/>
+  </p:clrMapOvr>
+</p:sld>
+</file>
+
+<file path=ppt/slides/slide14.xml><?xml version="1.0" encoding="utf-8"?>
+<p:sld xmlns:a="http://schemas.openxmlformats.org/drawingml/2006/main" xmlns:r="http://schemas.openxmlformats.org/officeDocument/2006/relationships" xmlns:p="http://schemas.openxmlformats.org/presentationml/2006/main">
+  <p:cSld>
+    <p:spTree>
+      <p:nvGrpSpPr>
+        <p:cNvPr id="1" name=""/>
+        <p:cNvGrpSpPr/>
+        <p:nvPr/>
+      </p:nvGrpSpPr>
+      <p:grpSpPr>
+        <a:xfrm>
+          <a:off x="0" y="0"/>
+          <a:ext cx="0" cy="0"/>
+          <a:chOff x="0" y="0"/>
+          <a:chExt cx="0" cy="0"/>
+        </a:xfrm>
+      </p:grpSpPr>
+      <p:pic>
+        <p:nvPicPr>
+          <p:cNvPr id="2050" name="Picture 2" descr="Differences between TLS 1.2 and TLS 1.3 Full Handshake">
+            <a:extLst>
+              <a:ext uri="{FF2B5EF4-FFF2-40B4-BE49-F238E27FC236}">
+                <a16:creationId xmlns:a16="http://schemas.microsoft.com/office/drawing/2014/main" id="{0DE6DA0F-5B88-B49B-00DC-3F34F0C85776}"/>
+              </a:ext>
+            </a:extLst>
+          </p:cNvPr>
+          <p:cNvPicPr>
+            <a:picLocks noChangeAspect="1" noChangeArrowheads="1"/>
+          </p:cNvPicPr>
+          <p:nvPr/>
+        </p:nvPicPr>
+        <p:blipFill>
+          <a:blip r:embed="rId2">
+            <a:extLst>
+              <a:ext uri="{28A0092B-C50C-407E-A947-70E740481C1C}">
+                <a14:useLocalDpi xmlns:a14="http://schemas.microsoft.com/office/drawing/2010/main" val="0"/>
+              </a:ext>
+            </a:extLst>
+          </a:blip>
+          <a:srcRect/>
+          <a:stretch>
+            <a:fillRect/>
+          </a:stretch>
+        </p:blipFill>
+        <p:spPr bwMode="auto">
+          <a:xfrm>
+            <a:off x="2222339" y="1070189"/>
+            <a:ext cx="7438904" cy="5387892"/>
+          </a:xfrm>
+          <a:prstGeom prst="rect">
+            <a:avLst/>
+          </a:prstGeom>
+          <a:noFill/>
+          <a:extLst>
+            <a:ext uri="{909E8E84-426E-40DD-AFC4-6F175D3DCCD1}">
+              <a14:hiddenFill xmlns:a14="http://schemas.microsoft.com/office/drawing/2010/main">
+                <a:solidFill>
+                  <a:srgbClr val="FFFFFF"/>
+                </a:solidFill>
+              </a14:hiddenFill>
+            </a:ext>
+          </a:extLst>
+        </p:spPr>
+      </p:pic>
+    </p:spTree>
+    <p:extLst>
+      <p:ext uri="{BB962C8B-B14F-4D97-AF65-F5344CB8AC3E}">
+        <p14:creationId xmlns:p14="http://schemas.microsoft.com/office/powerpoint/2010/main" val="1675731514"/>
+      </p:ext>
+    </p:extLst>
+  </p:cSld>
+  <p:clrMapOvr>
+    <a:masterClrMapping/>
+  </p:clrMapOvr>
+</p:sld>
+</file>
+
+<file path=ppt/slides/slide15.xml><?xml version="1.0" encoding="utf-8"?>
+<p:sld xmlns:a="http://schemas.openxmlformats.org/drawingml/2006/main" xmlns:r="http://schemas.openxmlformats.org/officeDocument/2006/relationships" xmlns:p="http://schemas.openxmlformats.org/presentationml/2006/main">
+  <p:cSld>
+    <p:spTree>
+      <p:nvGrpSpPr>
+        <p:cNvPr id="1" name=""/>
+        <p:cNvGrpSpPr/>
+        <p:nvPr/>
+      </p:nvGrpSpPr>
+      <p:grpSpPr>
+        <a:xfrm>
+          <a:off x="0" y="0"/>
+          <a:ext cx="0" cy="0"/>
+          <a:chOff x="0" y="0"/>
+          <a:chExt cx="0" cy="0"/>
+        </a:xfrm>
+      </p:grpSpPr>
+      <p:sp>
+        <p:nvSpPr>
+          <p:cNvPr id="2" name="Title 1">
+            <a:extLst>
+              <a:ext uri="{FF2B5EF4-FFF2-40B4-BE49-F238E27FC236}">
+                <a16:creationId xmlns:a16="http://schemas.microsoft.com/office/drawing/2014/main" id="{8B5DD922-90AF-F412-73C9-85D75BACE8EA}"/>
+              </a:ext>
+            </a:extLst>
+          </p:cNvPr>
+          <p:cNvSpPr>
+            <a:spLocks noGrp="1"/>
+          </p:cNvSpPr>
+          <p:nvPr>
+            <p:ph type="title"/>
+          </p:nvPr>
+        </p:nvSpPr>
+        <p:spPr>
+          <a:xfrm>
+            <a:off x="521208" y="978408"/>
+            <a:ext cx="11155680" cy="896691"/>
+          </a:xfrm>
+        </p:spPr>
+        <p:txBody>
+          <a:bodyPr>
+            <a:normAutofit/>
+          </a:bodyPr>
+          <a:lstStyle/>
+          <a:p>
+            <a:r>
+              <a:rPr lang="en-US" sz="4000" dirty="0"/>
+              <a:t>MITM </a:t>
+            </a:r>
+            <a:r>
+              <a:rPr lang="en-US" sz="4000" dirty="0" err="1"/>
+              <a:t>támadás</a:t>
+            </a:r>
+            <a:r>
+              <a:rPr lang="en-US" sz="4000" dirty="0"/>
+              <a:t> és </a:t>
+            </a:r>
+            <a:r>
+              <a:rPr lang="en-US" sz="4000" dirty="0" err="1"/>
+              <a:t>védekezés</a:t>
+            </a:r>
+            <a:endParaRPr lang="en-US" sz="4000" dirty="0"/>
+          </a:p>
+        </p:txBody>
+      </p:sp>
+      <p:sp>
+        <p:nvSpPr>
+          <p:cNvPr id="3" name="Content Placeholder 2">
+            <a:extLst>
+              <a:ext uri="{FF2B5EF4-FFF2-40B4-BE49-F238E27FC236}">
+                <a16:creationId xmlns:a16="http://schemas.microsoft.com/office/drawing/2014/main" id="{98A6E427-58F4-0544-985C-9B4906AF086F}"/>
+              </a:ext>
+            </a:extLst>
+          </p:cNvPr>
+          <p:cNvSpPr>
+            <a:spLocks noGrp="1"/>
+          </p:cNvSpPr>
+          <p:nvPr>
+            <p:ph idx="1"/>
+          </p:nvPr>
+        </p:nvSpPr>
+        <p:spPr>
+          <a:xfrm>
+            <a:off x="518160" y="2289241"/>
+            <a:ext cx="11155680" cy="3767328"/>
+          </a:xfrm>
+        </p:spPr>
+        <p:txBody>
+          <a:bodyPr/>
+          <a:lstStyle/>
+          <a:p>
+            <a:pPr>
+              <a:lnSpc>
+                <a:spcPct val="150000"/>
+              </a:lnSpc>
+            </a:pPr>
+            <a:r>
+              <a:rPr lang="hu-HU" sz="2400" dirty="0"/>
+              <a:t>MITM = Man In The </a:t>
+            </a:r>
+            <a:r>
+              <a:rPr lang="hu-HU" sz="2400" dirty="0" err="1"/>
+              <a:t>Middle</a:t>
+            </a:r>
+            <a:endParaRPr lang="hu-HU" sz="2400" dirty="0"/>
+          </a:p>
+          <a:p>
+            <a:pPr>
+              <a:lnSpc>
+                <a:spcPct val="150000"/>
+              </a:lnSpc>
+            </a:pPr>
+            <a:r>
+              <a:rPr lang="en-US" sz="2400" dirty="0" err="1"/>
+              <a:t>Tanúsítvány</a:t>
+            </a:r>
+            <a:r>
+              <a:rPr lang="hu-HU" sz="2400" dirty="0"/>
+              <a:t> </a:t>
+            </a:r>
+            <a:r>
+              <a:rPr lang="en-US" sz="2400" dirty="0" err="1"/>
+              <a:t>hamisítás</a:t>
+            </a:r>
+            <a:r>
+              <a:rPr lang="hu-HU" sz="2400" dirty="0"/>
+              <a:t> – böngésző hibát jelez</a:t>
+            </a:r>
+            <a:endParaRPr lang="en-US" sz="2400" dirty="0"/>
+          </a:p>
+          <a:p>
+            <a:pPr>
+              <a:lnSpc>
+                <a:spcPct val="150000"/>
+              </a:lnSpc>
+            </a:pPr>
+            <a:r>
+              <a:rPr lang="en-US" sz="2400" dirty="0"/>
+              <a:t>DNS </a:t>
+            </a:r>
+            <a:r>
+              <a:rPr lang="hu-HU" sz="2400" dirty="0"/>
+              <a:t>eltérítés</a:t>
+            </a:r>
+          </a:p>
+          <a:p>
+            <a:pPr>
+              <a:lnSpc>
+                <a:spcPct val="150000"/>
+              </a:lnSpc>
+            </a:pPr>
+            <a:r>
+              <a:rPr lang="en-US" sz="2400" dirty="0"/>
+              <a:t>HSTS</a:t>
+            </a:r>
+            <a:r>
+              <a:rPr lang="hu-HU" sz="2400" dirty="0"/>
+              <a:t> (HTTP </a:t>
+            </a:r>
+            <a:r>
+              <a:rPr lang="hu-HU" sz="2400" dirty="0" err="1"/>
+              <a:t>Strict</a:t>
+            </a:r>
+            <a:r>
+              <a:rPr lang="hu-HU" sz="2400" dirty="0"/>
+              <a:t> </a:t>
+            </a:r>
+            <a:r>
+              <a:rPr lang="hu-HU" sz="2400" dirty="0" err="1"/>
+              <a:t>Transport</a:t>
+            </a:r>
+            <a:r>
+              <a:rPr lang="hu-HU" sz="2400" dirty="0"/>
+              <a:t> Security)</a:t>
+            </a:r>
+            <a:endParaRPr lang="en-US" sz="2400" dirty="0"/>
+          </a:p>
+          <a:p>
+            <a:endParaRPr lang="en-US" dirty="0"/>
+          </a:p>
+          <a:p>
+            <a:endParaRPr lang="en-US" dirty="0"/>
+          </a:p>
+        </p:txBody>
+      </p:sp>
+    </p:spTree>
+    <p:extLst>
+      <p:ext uri="{BB962C8B-B14F-4D97-AF65-F5344CB8AC3E}">
+        <p14:creationId xmlns:p14="http://schemas.microsoft.com/office/powerpoint/2010/main" val="2984426879"/>
+      </p:ext>
+    </p:extLst>
+  </p:cSld>
+  <p:clrMapOvr>
+    <a:masterClrMapping/>
+  </p:clrMapOvr>
+</p:sld>
+</file>
+
+<file path=ppt/slides/slide16.xml><?xml version="1.0" encoding="utf-8"?>
+<p:sld xmlns:a="http://schemas.openxmlformats.org/drawingml/2006/main" xmlns:r="http://schemas.openxmlformats.org/officeDocument/2006/relationships" xmlns:p="http://schemas.openxmlformats.org/presentationml/2006/main">
+  <p:cSld>
+    <p:spTree>
+      <p:nvGrpSpPr>
+        <p:cNvPr id="1" name=""/>
+        <p:cNvGrpSpPr/>
+        <p:nvPr/>
+      </p:nvGrpSpPr>
+      <p:grpSpPr>
+        <a:xfrm>
+          <a:off x="0" y="0"/>
+          <a:ext cx="0" cy="0"/>
+          <a:chOff x="0" y="0"/>
+          <a:chExt cx="0" cy="0"/>
+        </a:xfrm>
+      </p:grpSpPr>
+      <p:sp>
+        <p:nvSpPr>
+          <p:cNvPr id="2" name="Title 1">
+            <a:extLst>
+              <a:ext uri="{FF2B5EF4-FFF2-40B4-BE49-F238E27FC236}">
+                <a16:creationId xmlns:a16="http://schemas.microsoft.com/office/drawing/2014/main" id="{C389D337-2975-345D-FC10-CA6E44B7924C}"/>
+              </a:ext>
+            </a:extLst>
+          </p:cNvPr>
+          <p:cNvSpPr>
+            <a:spLocks noGrp="1"/>
+          </p:cNvSpPr>
+          <p:nvPr>
+            <p:ph type="title"/>
+          </p:nvPr>
+        </p:nvSpPr>
+        <p:spPr>
+          <a:xfrm>
+            <a:off x="521208" y="978408"/>
+            <a:ext cx="11155680" cy="919840"/>
+          </a:xfrm>
+        </p:spPr>
+        <p:txBody>
+          <a:bodyPr>
+            <a:normAutofit/>
+          </a:bodyPr>
+          <a:lstStyle/>
+          <a:p>
+            <a:r>
+              <a:rPr lang="en-US" sz="4000" dirty="0"/>
+              <a:t>Modern </a:t>
+            </a:r>
+            <a:r>
+              <a:rPr lang="en-US" sz="4000" dirty="0" err="1"/>
+              <a:t>legjobb</a:t>
+            </a:r>
+            <a:r>
+              <a:rPr lang="en-US" sz="4000" dirty="0"/>
+              <a:t> </a:t>
+            </a:r>
+            <a:r>
+              <a:rPr lang="en-US" sz="4000" dirty="0" err="1"/>
+              <a:t>gyakorlatok</a:t>
+            </a:r>
+            <a:endParaRPr lang="en-US" sz="4000" dirty="0"/>
+          </a:p>
+        </p:txBody>
+      </p:sp>
+      <p:sp>
+        <p:nvSpPr>
+          <p:cNvPr id="3" name="Content Placeholder 2">
+            <a:extLst>
+              <a:ext uri="{FF2B5EF4-FFF2-40B4-BE49-F238E27FC236}">
+                <a16:creationId xmlns:a16="http://schemas.microsoft.com/office/drawing/2014/main" id="{3450B101-C39F-3C8C-13E2-646BC7198180}"/>
+              </a:ext>
+            </a:extLst>
+          </p:cNvPr>
+          <p:cNvSpPr>
+            <a:spLocks noGrp="1"/>
+          </p:cNvSpPr>
+          <p:nvPr>
+            <p:ph idx="1"/>
+          </p:nvPr>
+        </p:nvSpPr>
+        <p:spPr>
+          <a:xfrm>
+            <a:off x="521208" y="2277667"/>
+            <a:ext cx="11155680" cy="3767328"/>
+          </a:xfrm>
+        </p:spPr>
+        <p:txBody>
+          <a:bodyPr/>
+          <a:lstStyle/>
+          <a:p>
+            <a:pPr>
+              <a:lnSpc>
+                <a:spcPct val="150000"/>
+              </a:lnSpc>
+            </a:pPr>
+            <a:r>
+              <a:rPr lang="en-US" sz="2400" dirty="0"/>
+              <a:t>TLS 1.3 </a:t>
+            </a:r>
+            <a:r>
+              <a:rPr lang="en-US" sz="2400" dirty="0" err="1"/>
+              <a:t>előnyben</a:t>
+            </a:r>
+            <a:endParaRPr lang="en-US" sz="2400" dirty="0"/>
+          </a:p>
+          <a:p>
+            <a:pPr>
+              <a:lnSpc>
+                <a:spcPct val="150000"/>
+              </a:lnSpc>
+            </a:pPr>
+            <a:r>
+              <a:rPr lang="en-US" sz="2400" dirty="0"/>
+              <a:t>Régi </a:t>
+            </a:r>
+            <a:r>
+              <a:rPr lang="en-US" sz="2400" dirty="0" err="1"/>
+              <a:t>algoritmusok</a:t>
+            </a:r>
+            <a:r>
+              <a:rPr lang="en-US" sz="2400" dirty="0"/>
+              <a:t> </a:t>
+            </a:r>
+            <a:r>
+              <a:rPr lang="en-US" sz="2400" dirty="0" err="1"/>
+              <a:t>tiltása</a:t>
+            </a:r>
+            <a:endParaRPr lang="hu-HU" sz="2400" dirty="0"/>
+          </a:p>
+          <a:p>
+            <a:pPr>
+              <a:lnSpc>
+                <a:spcPct val="150000"/>
+              </a:lnSpc>
+            </a:pPr>
+            <a:r>
+              <a:rPr lang="hu-HU" sz="2400" dirty="0"/>
+              <a:t>Erős algoritmusok (</a:t>
+            </a:r>
+            <a:r>
+              <a:rPr lang="hu-HU" sz="2400" dirty="0" err="1"/>
+              <a:t>cipher</a:t>
+            </a:r>
+            <a:r>
+              <a:rPr lang="hu-HU" sz="2400" dirty="0"/>
+              <a:t> </a:t>
+            </a:r>
+            <a:r>
+              <a:rPr lang="hu-HU" sz="2400" dirty="0" err="1"/>
+              <a:t>suites</a:t>
+            </a:r>
+            <a:r>
+              <a:rPr lang="hu-HU" sz="2400" dirty="0"/>
+              <a:t>) használata</a:t>
+            </a:r>
+            <a:endParaRPr lang="en-US" sz="2400" dirty="0"/>
+          </a:p>
+          <a:p>
+            <a:pPr>
+              <a:lnSpc>
+                <a:spcPct val="150000"/>
+              </a:lnSpc>
+            </a:pPr>
+            <a:r>
+              <a:rPr lang="en-US" sz="2400" dirty="0"/>
+              <a:t>HTTPS </a:t>
+            </a:r>
+            <a:r>
+              <a:rPr lang="en-US" sz="2400" dirty="0" err="1"/>
+              <a:t>automatikus</a:t>
+            </a:r>
+            <a:r>
+              <a:rPr lang="en-US" sz="2400" dirty="0"/>
+              <a:t> </a:t>
+            </a:r>
+            <a:r>
+              <a:rPr lang="en-US" sz="2400" dirty="0" err="1"/>
+              <a:t>kényszerítése</a:t>
+            </a:r>
+            <a:endParaRPr lang="en-US" sz="2400" dirty="0"/>
+          </a:p>
+          <a:p>
+            <a:pPr>
+              <a:lnSpc>
+                <a:spcPct val="150000"/>
+              </a:lnSpc>
+            </a:pPr>
+            <a:r>
+              <a:rPr lang="en-US" sz="2400" dirty="0"/>
+              <a:t>Let’s Encrypt </a:t>
+            </a:r>
+            <a:r>
+              <a:rPr lang="en-US" sz="2400" dirty="0" err="1"/>
+              <a:t>használata</a:t>
+            </a:r>
+            <a:r>
+              <a:rPr lang="hu-HU" sz="2400" dirty="0"/>
+              <a:t> (ingyenes)</a:t>
+            </a:r>
+            <a:endParaRPr lang="en-US" sz="2400" dirty="0"/>
+          </a:p>
+          <a:p>
+            <a:pPr marL="0" indent="0">
+              <a:buNone/>
+            </a:pPr>
+            <a:endParaRPr lang="en-US" dirty="0"/>
+          </a:p>
+        </p:txBody>
+      </p:sp>
+    </p:spTree>
+    <p:extLst>
+      <p:ext uri="{BB962C8B-B14F-4D97-AF65-F5344CB8AC3E}">
+        <p14:creationId xmlns:p14="http://schemas.microsoft.com/office/powerpoint/2010/main" val="2081633652"/>
+      </p:ext>
+    </p:extLst>
+  </p:cSld>
+  <p:clrMapOvr>
+    <a:masterClrMapping/>
+  </p:clrMapOvr>
+</p:sld>
+</file>
+
+<file path=ppt/slides/slide17.xml><?xml version="1.0" encoding="utf-8"?>
+<p:sld xmlns:a="http://schemas.openxmlformats.org/drawingml/2006/main" xmlns:r="http://schemas.openxmlformats.org/officeDocument/2006/relationships" xmlns:p="http://schemas.openxmlformats.org/presentationml/2006/main">
+  <p:cSld>
+    <p:spTree>
+      <p:nvGrpSpPr>
+        <p:cNvPr id="1" name=""/>
+        <p:cNvGrpSpPr/>
+        <p:nvPr/>
+      </p:nvGrpSpPr>
+      <p:grpSpPr>
+        <a:xfrm>
+          <a:off x="0" y="0"/>
+          <a:ext cx="0" cy="0"/>
+          <a:chOff x="0" y="0"/>
+          <a:chExt cx="0" cy="0"/>
+        </a:xfrm>
+      </p:grpSpPr>
+      <p:sp>
+        <p:nvSpPr>
+          <p:cNvPr id="2" name="Title 1">
+            <a:extLst>
+              <a:ext uri="{FF2B5EF4-FFF2-40B4-BE49-F238E27FC236}">
+                <a16:creationId xmlns:a16="http://schemas.microsoft.com/office/drawing/2014/main" id="{05532E2D-F677-B187-DD35-131D6E3E63D3}"/>
+              </a:ext>
+            </a:extLst>
+          </p:cNvPr>
+          <p:cNvSpPr>
+            <a:spLocks noGrp="1"/>
+          </p:cNvSpPr>
+          <p:nvPr>
+            <p:ph type="title"/>
+          </p:nvPr>
+        </p:nvSpPr>
+        <p:spPr>
+          <a:xfrm>
+            <a:off x="521208" y="978408"/>
+            <a:ext cx="11155680" cy="1012438"/>
+          </a:xfrm>
+        </p:spPr>
+        <p:txBody>
+          <a:bodyPr>
+            <a:normAutofit/>
+          </a:bodyPr>
+          <a:lstStyle/>
+          <a:p>
+            <a:r>
+              <a:rPr lang="en-US" sz="4000" dirty="0" err="1"/>
+              <a:t>Összefoglalás</a:t>
+            </a:r>
+            <a:endParaRPr lang="en-US" sz="4000" dirty="0"/>
+          </a:p>
+        </p:txBody>
+      </p:sp>
+      <p:sp>
+        <p:nvSpPr>
+          <p:cNvPr id="3" name="Content Placeholder 2">
+            <a:extLst>
+              <a:ext uri="{FF2B5EF4-FFF2-40B4-BE49-F238E27FC236}">
+                <a16:creationId xmlns:a16="http://schemas.microsoft.com/office/drawing/2014/main" id="{2BF69C2B-D3A8-37FB-E824-6FCE4D27536F}"/>
+              </a:ext>
+            </a:extLst>
+          </p:cNvPr>
+          <p:cNvSpPr>
+            <a:spLocks noGrp="1"/>
+          </p:cNvSpPr>
+          <p:nvPr>
+            <p:ph idx="1"/>
+          </p:nvPr>
+        </p:nvSpPr>
+        <p:spPr>
+          <a:xfrm>
+            <a:off x="521208" y="2323965"/>
+            <a:ext cx="11155680" cy="3767328"/>
+          </a:xfrm>
+        </p:spPr>
+        <p:txBody>
+          <a:bodyPr>
+            <a:normAutofit/>
+          </a:bodyPr>
+          <a:lstStyle/>
+          <a:p>
+            <a:r>
+              <a:rPr lang="en-US" sz="2400" dirty="0"/>
+              <a:t>HTTPS = </a:t>
+            </a:r>
+            <a:r>
+              <a:rPr lang="hu-HU" sz="2400" dirty="0"/>
+              <a:t>titkosítás</a:t>
+            </a:r>
+            <a:r>
+              <a:rPr lang="en-US" sz="2400" dirty="0"/>
+              <a:t> + </a:t>
+            </a:r>
+            <a:r>
+              <a:rPr lang="en-US" sz="2400" dirty="0" err="1"/>
+              <a:t>hitelesség</a:t>
+            </a:r>
+            <a:r>
+              <a:rPr lang="en-US" sz="2400" dirty="0"/>
+              <a:t> + </a:t>
+            </a:r>
+            <a:r>
+              <a:rPr lang="en-US" sz="2400" dirty="0" err="1"/>
+              <a:t>integritás</a:t>
+            </a:r>
+            <a:endParaRPr lang="en-US" sz="2400" dirty="0"/>
+          </a:p>
+          <a:p>
+            <a:r>
+              <a:rPr lang="en-US" sz="2400" dirty="0" err="1"/>
+              <a:t>Tanúsítványok</a:t>
+            </a:r>
+            <a:r>
+              <a:rPr lang="en-US" sz="2400" dirty="0"/>
+              <a:t> és PKI </a:t>
+            </a:r>
+            <a:r>
+              <a:rPr lang="en-US" sz="2400" dirty="0" err="1"/>
+              <a:t>biztosítják</a:t>
+            </a:r>
+            <a:r>
+              <a:rPr lang="en-US" sz="2400" dirty="0"/>
+              <a:t> a </a:t>
+            </a:r>
+            <a:r>
+              <a:rPr lang="en-US" sz="2400" dirty="0" err="1"/>
+              <a:t>bizalom</a:t>
+            </a:r>
+            <a:r>
+              <a:rPr lang="en-US" sz="2400" dirty="0"/>
+              <a:t> </a:t>
+            </a:r>
+            <a:r>
+              <a:rPr lang="en-US" sz="2400" dirty="0" err="1"/>
+              <a:t>alapját</a:t>
+            </a:r>
+            <a:endParaRPr lang="en-US" sz="2400" dirty="0"/>
+          </a:p>
+          <a:p>
+            <a:r>
+              <a:rPr lang="en-US" sz="2400" dirty="0"/>
+              <a:t>TLS handshake a </a:t>
+            </a:r>
+            <a:r>
+              <a:rPr lang="en-US" sz="2400" dirty="0" err="1"/>
+              <a:t>kapcsolat</a:t>
+            </a:r>
+            <a:r>
+              <a:rPr lang="en-US" sz="2400" dirty="0"/>
+              <a:t> </a:t>
+            </a:r>
+            <a:r>
+              <a:rPr lang="en-US" sz="2400" dirty="0" err="1"/>
+              <a:t>lelke</a:t>
+            </a:r>
+            <a:endParaRPr lang="en-US" sz="2400" dirty="0"/>
+          </a:p>
+          <a:p>
+            <a:r>
+              <a:rPr lang="en-US" sz="2400" dirty="0"/>
+              <a:t>MITM </a:t>
+            </a:r>
+            <a:r>
+              <a:rPr lang="en-US" sz="2400" dirty="0" err="1"/>
+              <a:t>támadások</a:t>
+            </a:r>
+            <a:r>
+              <a:rPr lang="en-US" sz="2400" dirty="0"/>
+              <a:t> </a:t>
+            </a:r>
+            <a:r>
+              <a:rPr lang="en-US" sz="2400" dirty="0" err="1"/>
+              <a:t>jól</a:t>
+            </a:r>
+            <a:r>
+              <a:rPr lang="en-US" sz="2400" dirty="0"/>
+              <a:t> </a:t>
+            </a:r>
+            <a:r>
+              <a:rPr lang="en-US" sz="2400" dirty="0" err="1"/>
+              <a:t>kivédhetők</a:t>
+            </a:r>
+            <a:endParaRPr lang="en-US" sz="2400" dirty="0"/>
+          </a:p>
+          <a:p>
+            <a:pPr marL="0" indent="0">
+              <a:lnSpc>
+                <a:spcPct val="150000"/>
+              </a:lnSpc>
+              <a:buNone/>
+            </a:pPr>
+            <a:endParaRPr lang="en-US" sz="2400" dirty="0"/>
+          </a:p>
+        </p:txBody>
+      </p:sp>
+    </p:spTree>
+    <p:extLst>
+      <p:ext uri="{BB962C8B-B14F-4D97-AF65-F5344CB8AC3E}">
+        <p14:creationId xmlns:p14="http://schemas.microsoft.com/office/powerpoint/2010/main" val="2847921055"/>
+      </p:ext>
+    </p:extLst>
+  </p:cSld>
+  <p:clrMapOvr>
+    <a:masterClrMapping/>
+  </p:clrMapOvr>
+</p:sld>
+</file>
+
+<file path=ppt/slides/slide2.xml><?xml version="1.0" encoding="utf-8"?>
+<p:sld xmlns:a="http://schemas.openxmlformats.org/drawingml/2006/main" xmlns:r="http://schemas.openxmlformats.org/officeDocument/2006/relationships" xmlns:p="http://schemas.openxmlformats.org/presentationml/2006/main">
+  <p:cSld>
     <p:bg>
       <p:bgPr>
         <a:solidFill>
@@ -13140,1471 +15012,7 @@
 </p:sld>
 </file>
 
-<file path=ppt/slides/slide10.xml><?xml version="1.0" encoding="utf-8"?>
-<p:sld xmlns:a="http://schemas.openxmlformats.org/drawingml/2006/main" xmlns:r="http://schemas.openxmlformats.org/officeDocument/2006/relationships" xmlns:p="http://schemas.openxmlformats.org/presentationml/2006/main">
-  <p:cSld>
-    <p:spTree>
-      <p:nvGrpSpPr>
-        <p:cNvPr id="1" name=""/>
-        <p:cNvGrpSpPr/>
-        <p:nvPr/>
-      </p:nvGrpSpPr>
-      <p:grpSpPr>
-        <a:xfrm>
-          <a:off x="0" y="0"/>
-          <a:ext cx="0" cy="0"/>
-          <a:chOff x="0" y="0"/>
-          <a:chExt cx="0" cy="0"/>
-        </a:xfrm>
-      </p:grpSpPr>
-      <p:sp>
-        <p:nvSpPr>
-          <p:cNvPr id="2" name="Title 1">
-            <a:extLst>
-              <a:ext uri="{FF2B5EF4-FFF2-40B4-BE49-F238E27FC236}">
-                <a16:creationId xmlns:a16="http://schemas.microsoft.com/office/drawing/2014/main" id="{335DB4BD-B8A8-6D3B-AF99-84624E331854}"/>
-              </a:ext>
-            </a:extLst>
-          </p:cNvPr>
-          <p:cNvSpPr>
-            <a:spLocks noGrp="1"/>
-          </p:cNvSpPr>
-          <p:nvPr>
-            <p:ph type="title"/>
-          </p:nvPr>
-        </p:nvSpPr>
-        <p:spPr>
-          <a:xfrm>
-            <a:off x="521208" y="978408"/>
-            <a:ext cx="11155680" cy="1021080"/>
-          </a:xfrm>
-        </p:spPr>
-        <p:txBody>
-          <a:bodyPr>
-            <a:normAutofit/>
-          </a:bodyPr>
-          <a:lstStyle/>
-          <a:p>
-            <a:r>
-              <a:rPr lang="en-US" sz="4000" dirty="0"/>
-              <a:t>TLS Handshake (</a:t>
-            </a:r>
-            <a:r>
-              <a:rPr lang="en-US" sz="4000" dirty="0" err="1"/>
-              <a:t>általános</a:t>
-            </a:r>
-            <a:r>
-              <a:rPr lang="en-US" sz="4000" dirty="0"/>
-              <a:t> </a:t>
-            </a:r>
-            <a:r>
-              <a:rPr lang="en-US" sz="4000" dirty="0" err="1"/>
-              <a:t>áttekintés</a:t>
-            </a:r>
-            <a:r>
-              <a:rPr lang="en-US" sz="4000" dirty="0"/>
-              <a:t>)</a:t>
-            </a:r>
-          </a:p>
-        </p:txBody>
-      </p:sp>
-      <p:sp>
-        <p:nvSpPr>
-          <p:cNvPr id="3" name="Content Placeholder 2">
-            <a:extLst>
-              <a:ext uri="{FF2B5EF4-FFF2-40B4-BE49-F238E27FC236}">
-                <a16:creationId xmlns:a16="http://schemas.microsoft.com/office/drawing/2014/main" id="{A190D018-EECC-6881-9C15-5B747B00BCC7}"/>
-              </a:ext>
-            </a:extLst>
-          </p:cNvPr>
-          <p:cNvSpPr>
-            <a:spLocks noGrp="1"/>
-          </p:cNvSpPr>
-          <p:nvPr>
-            <p:ph idx="1"/>
-          </p:nvPr>
-        </p:nvSpPr>
-        <p:spPr>
-          <a:xfrm>
-            <a:off x="518160" y="2086105"/>
-            <a:ext cx="11155680" cy="4476740"/>
-          </a:xfrm>
-        </p:spPr>
-        <p:txBody>
-          <a:bodyPr>
-            <a:normAutofit/>
-          </a:bodyPr>
-          <a:lstStyle/>
-          <a:p>
-            <a:pPr marL="0" indent="0">
-              <a:lnSpc>
-                <a:spcPct val="150000"/>
-              </a:lnSpc>
-              <a:spcBef>
-                <a:spcPts val="0"/>
-              </a:spcBef>
-              <a:spcAft>
-                <a:spcPts val="1800"/>
-              </a:spcAft>
-              <a:buNone/>
-            </a:pPr>
-            <a:r>
-              <a:rPr lang="hu-HU" sz="2400" dirty="0"/>
-              <a:t>A </a:t>
-            </a:r>
-            <a:r>
-              <a:rPr lang="hu-HU" sz="2400" dirty="0" err="1"/>
-              <a:t>handshake</a:t>
-            </a:r>
-            <a:r>
-              <a:rPr lang="hu-HU" sz="2400" dirty="0"/>
-              <a:t> </a:t>
-            </a:r>
-            <a:r>
-              <a:rPr lang="hu-HU" sz="2400" dirty="0" err="1"/>
-              <a:t>céja</a:t>
-            </a:r>
-            <a:r>
-              <a:rPr lang="hu-HU" sz="2400" dirty="0"/>
-              <a:t>, a </a:t>
-            </a:r>
-            <a:r>
-              <a:rPr lang="hu-HU" sz="2400" b="1" dirty="0"/>
-              <a:t>biztonságos csatorna felépítése</a:t>
-            </a:r>
-          </a:p>
-          <a:p>
-            <a:pPr>
-              <a:lnSpc>
-                <a:spcPct val="150000"/>
-              </a:lnSpc>
-              <a:spcBef>
-                <a:spcPts val="0"/>
-              </a:spcBef>
-            </a:pPr>
-            <a:r>
-              <a:rPr lang="en-US" sz="2400" b="1" dirty="0" err="1"/>
-              <a:t>Kliens</a:t>
-            </a:r>
-            <a:r>
-              <a:rPr lang="en-US" sz="2400" dirty="0"/>
-              <a:t> → </a:t>
-            </a:r>
-            <a:r>
-              <a:rPr lang="en-US" sz="2400" dirty="0" err="1"/>
-              <a:t>Szerver</a:t>
-            </a:r>
-            <a:r>
-              <a:rPr lang="en-US" sz="2400" dirty="0"/>
-              <a:t>: </a:t>
-            </a:r>
-            <a:r>
-              <a:rPr lang="en-US" sz="2400" dirty="0" err="1"/>
-              <a:t>képességek</a:t>
-            </a:r>
-            <a:r>
-              <a:rPr lang="en-US" sz="2400" dirty="0"/>
-              <a:t>, </a:t>
-            </a:r>
-            <a:r>
-              <a:rPr lang="en-US" sz="2400" dirty="0" err="1"/>
-              <a:t>algoritmusok</a:t>
-            </a:r>
-            <a:endParaRPr lang="en-US" sz="2400" dirty="0"/>
-          </a:p>
-          <a:p>
-            <a:pPr>
-              <a:lnSpc>
-                <a:spcPct val="150000"/>
-              </a:lnSpc>
-              <a:spcBef>
-                <a:spcPts val="0"/>
-              </a:spcBef>
-            </a:pPr>
-            <a:r>
-              <a:rPr lang="en-US" sz="2400" b="1" dirty="0" err="1"/>
-              <a:t>Szerver</a:t>
-            </a:r>
-            <a:r>
-              <a:rPr lang="en-US" sz="2400" dirty="0"/>
-              <a:t> → </a:t>
-            </a:r>
-            <a:r>
-              <a:rPr lang="en-US" sz="2400" dirty="0" err="1"/>
-              <a:t>Kliens</a:t>
-            </a:r>
-            <a:r>
-              <a:rPr lang="en-US" sz="2400" dirty="0"/>
-              <a:t>: </a:t>
-            </a:r>
-            <a:r>
-              <a:rPr lang="en-US" sz="2400" dirty="0" err="1"/>
-              <a:t>tanúsítvány</a:t>
-            </a:r>
-            <a:r>
-              <a:rPr lang="en-US" sz="2400" dirty="0"/>
-              <a:t>, </a:t>
-            </a:r>
-            <a:r>
-              <a:rPr lang="en-US" sz="2400" dirty="0" err="1"/>
-              <a:t>választott</a:t>
-            </a:r>
-            <a:r>
-              <a:rPr lang="en-US" sz="2400" dirty="0"/>
-              <a:t> </a:t>
-            </a:r>
-            <a:r>
-              <a:rPr lang="en-US" sz="2400" dirty="0" err="1"/>
-              <a:t>algoritmusok</a:t>
-            </a:r>
-            <a:endParaRPr lang="en-US" sz="2400" dirty="0"/>
-          </a:p>
-          <a:p>
-            <a:pPr>
-              <a:lnSpc>
-                <a:spcPct val="150000"/>
-              </a:lnSpc>
-              <a:spcBef>
-                <a:spcPts val="0"/>
-              </a:spcBef>
-            </a:pPr>
-            <a:r>
-              <a:rPr lang="en-US" sz="2400" b="1" dirty="0" err="1"/>
-              <a:t>Kulcscsere</a:t>
-            </a:r>
-            <a:r>
-              <a:rPr lang="hu-HU" sz="2400" dirty="0"/>
-              <a:t> (aszimmetrikus titkosítás)</a:t>
-            </a:r>
-            <a:endParaRPr lang="en-US" sz="2400" dirty="0"/>
-          </a:p>
-          <a:p>
-            <a:pPr>
-              <a:lnSpc>
-                <a:spcPct val="150000"/>
-              </a:lnSpc>
-              <a:spcBef>
-                <a:spcPts val="0"/>
-              </a:spcBef>
-            </a:pPr>
-            <a:r>
-              <a:rPr lang="en-US" sz="2400" b="1" dirty="0"/>
-              <a:t>Session key </a:t>
-            </a:r>
-            <a:r>
-              <a:rPr lang="hu-HU" sz="2400" dirty="0"/>
-              <a:t>(titkos kulcs) </a:t>
-            </a:r>
-            <a:r>
-              <a:rPr lang="en-US" sz="2400" dirty="0" err="1"/>
-              <a:t>létrehozása</a:t>
-            </a:r>
-            <a:endParaRPr lang="en-US" sz="2400" dirty="0"/>
-          </a:p>
-          <a:p>
-            <a:pPr>
-              <a:lnSpc>
-                <a:spcPct val="150000"/>
-              </a:lnSpc>
-              <a:spcBef>
-                <a:spcPts val="0"/>
-              </a:spcBef>
-            </a:pPr>
-            <a:r>
-              <a:rPr lang="en-US" sz="2400" b="1" dirty="0" err="1"/>
-              <a:t>Titkosított</a:t>
-            </a:r>
-            <a:r>
-              <a:rPr lang="en-US" sz="2400" b="1" dirty="0"/>
-              <a:t> </a:t>
-            </a:r>
-            <a:r>
-              <a:rPr lang="en-US" sz="2400" b="1" dirty="0" err="1"/>
-              <a:t>kommunikáció</a:t>
-            </a:r>
-            <a:r>
-              <a:rPr lang="en-US" sz="2400" b="1" dirty="0"/>
-              <a:t> </a:t>
-            </a:r>
-            <a:r>
-              <a:rPr lang="en-US" sz="2400" dirty="0" err="1"/>
-              <a:t>indul</a:t>
-            </a:r>
-            <a:r>
-              <a:rPr lang="hu-HU" sz="2400" dirty="0"/>
-              <a:t> (szimmetrikus titkosítás)</a:t>
-            </a:r>
-            <a:endParaRPr lang="en-US" sz="2400" dirty="0"/>
-          </a:p>
-          <a:p>
-            <a:pPr marL="0" indent="0">
-              <a:buNone/>
-            </a:pPr>
-            <a:endParaRPr lang="en-US" dirty="0"/>
-          </a:p>
-        </p:txBody>
-      </p:sp>
-    </p:spTree>
-    <p:extLst>
-      <p:ext uri="{BB962C8B-B14F-4D97-AF65-F5344CB8AC3E}">
-        <p14:creationId xmlns:p14="http://schemas.microsoft.com/office/powerpoint/2010/main" val="700236604"/>
-      </p:ext>
-    </p:extLst>
-  </p:cSld>
-  <p:clrMapOvr>
-    <a:masterClrMapping/>
-  </p:clrMapOvr>
-</p:sld>
-</file>
-
-<file path=ppt/slides/slide11.xml><?xml version="1.0" encoding="utf-8"?>
-<p:sld xmlns:a="http://schemas.openxmlformats.org/drawingml/2006/main" xmlns:r="http://schemas.openxmlformats.org/officeDocument/2006/relationships" xmlns:p="http://schemas.openxmlformats.org/presentationml/2006/main">
-  <p:cSld>
-    <p:spTree>
-      <p:nvGrpSpPr>
-        <p:cNvPr id="1" name=""/>
-        <p:cNvGrpSpPr/>
-        <p:nvPr/>
-      </p:nvGrpSpPr>
-      <p:grpSpPr>
-        <a:xfrm>
-          <a:off x="0" y="0"/>
-          <a:ext cx="0" cy="0"/>
-          <a:chOff x="0" y="0"/>
-          <a:chExt cx="0" cy="0"/>
-        </a:xfrm>
-      </p:grpSpPr>
-      <p:sp>
-        <p:nvSpPr>
-          <p:cNvPr id="2" name="Title 1">
-            <a:extLst>
-              <a:ext uri="{FF2B5EF4-FFF2-40B4-BE49-F238E27FC236}">
-                <a16:creationId xmlns:a16="http://schemas.microsoft.com/office/drawing/2014/main" id="{DF72404F-FE0B-46E6-BFA3-490A8D9C9060}"/>
-              </a:ext>
-            </a:extLst>
-          </p:cNvPr>
-          <p:cNvSpPr>
-            <a:spLocks noGrp="1"/>
-          </p:cNvSpPr>
-          <p:nvPr>
-            <p:ph type="title"/>
-          </p:nvPr>
-        </p:nvSpPr>
-        <p:spPr>
-          <a:xfrm>
-            <a:off x="521208" y="813864"/>
-            <a:ext cx="11155680" cy="806592"/>
-          </a:xfrm>
-        </p:spPr>
-        <p:txBody>
-          <a:bodyPr>
-            <a:normAutofit/>
-          </a:bodyPr>
-          <a:lstStyle/>
-          <a:p>
-            <a:r>
-              <a:rPr lang="hu-HU" sz="4000" dirty="0"/>
-              <a:t>(HTTPS) </a:t>
-            </a:r>
-            <a:r>
-              <a:rPr lang="en-US" sz="4000" dirty="0"/>
-              <a:t>TLS 1.2 Handshake</a:t>
-            </a:r>
-          </a:p>
-        </p:txBody>
-      </p:sp>
-      <p:sp>
-        <p:nvSpPr>
-          <p:cNvPr id="3" name="Content Placeholder 2">
-            <a:extLst>
-              <a:ext uri="{FF2B5EF4-FFF2-40B4-BE49-F238E27FC236}">
-                <a16:creationId xmlns:a16="http://schemas.microsoft.com/office/drawing/2014/main" id="{F9798CD4-66E2-7CD6-E406-5DB0F08EF5C4}"/>
-              </a:ext>
-            </a:extLst>
-          </p:cNvPr>
-          <p:cNvSpPr>
-            <a:spLocks noGrp="1"/>
-          </p:cNvSpPr>
-          <p:nvPr>
-            <p:ph idx="1"/>
-          </p:nvPr>
-        </p:nvSpPr>
-        <p:spPr>
-          <a:xfrm>
-            <a:off x="613806" y="1921002"/>
-            <a:ext cx="6018488" cy="4123134"/>
-          </a:xfrm>
-        </p:spPr>
-        <p:txBody>
-          <a:bodyPr>
-            <a:normAutofit fontScale="92500" lnSpcReduction="10000"/>
-          </a:bodyPr>
-          <a:lstStyle/>
-          <a:p>
-            <a:r>
-              <a:rPr lang="en-US" sz="2600" dirty="0" err="1"/>
-              <a:t>ClientHello</a:t>
-            </a:r>
-            <a:r>
-              <a:rPr lang="hu-HU" sz="2600" dirty="0"/>
-              <a:t> üzenet</a:t>
-            </a:r>
-            <a:endParaRPr lang="en-US" sz="2600" dirty="0"/>
-          </a:p>
-          <a:p>
-            <a:r>
-              <a:rPr lang="en-US" sz="2600" dirty="0" err="1"/>
-              <a:t>ServerHello</a:t>
-            </a:r>
-            <a:r>
-              <a:rPr lang="hu-HU" sz="2600" dirty="0"/>
-              <a:t> üzenet</a:t>
-            </a:r>
-            <a:endParaRPr lang="en-US" sz="2600" dirty="0"/>
-          </a:p>
-          <a:p>
-            <a:r>
-              <a:rPr lang="hu-HU" sz="2600" dirty="0"/>
-              <a:t>Server </a:t>
-            </a:r>
-            <a:r>
-              <a:rPr lang="en-US" sz="2600" dirty="0"/>
-              <a:t>Certificate</a:t>
-            </a:r>
-            <a:r>
-              <a:rPr lang="hu-HU" sz="2600" dirty="0"/>
-              <a:t> küldése</a:t>
-            </a:r>
-            <a:endParaRPr lang="en-US" sz="2600" dirty="0"/>
-          </a:p>
-          <a:p>
-            <a:r>
-              <a:rPr lang="en-US" sz="2600" dirty="0" err="1"/>
-              <a:t>ServerKeyExchange</a:t>
-            </a:r>
-            <a:r>
-              <a:rPr lang="hu-HU" sz="2600" dirty="0"/>
-              <a:t> üzenet (opcionális)</a:t>
-            </a:r>
-          </a:p>
-          <a:p>
-            <a:r>
-              <a:rPr lang="en-US" sz="2600" dirty="0" err="1"/>
-              <a:t>ClientKeyExchange</a:t>
-            </a:r>
-            <a:r>
-              <a:rPr lang="hu-HU" sz="2600" dirty="0"/>
-              <a:t> üzenet</a:t>
-            </a:r>
-          </a:p>
-          <a:p>
-            <a:r>
-              <a:rPr lang="hu-HU" sz="2600" dirty="0"/>
-              <a:t>Session </a:t>
-            </a:r>
-            <a:r>
-              <a:rPr lang="hu-HU" sz="2600" dirty="0" err="1"/>
-              <a:t>key</a:t>
-            </a:r>
-            <a:r>
-              <a:rPr lang="hu-HU" sz="2600" dirty="0"/>
-              <a:t> generálása</a:t>
-            </a:r>
-            <a:endParaRPr lang="en-US" sz="2600" dirty="0"/>
-          </a:p>
-          <a:p>
-            <a:r>
-              <a:rPr lang="en-US" sz="2600" dirty="0" err="1"/>
-              <a:t>ChangeCipherSpec</a:t>
-            </a:r>
-            <a:r>
-              <a:rPr lang="hu-HU" sz="2600" dirty="0"/>
-              <a:t> üzenetek</a:t>
-            </a:r>
-            <a:endParaRPr lang="en-US" sz="2600" dirty="0"/>
-          </a:p>
-          <a:p>
-            <a:r>
-              <a:rPr lang="en-US" sz="2600" dirty="0"/>
-              <a:t>Finished </a:t>
-            </a:r>
-            <a:r>
-              <a:rPr lang="en-US" sz="2600" dirty="0" err="1"/>
-              <a:t>üzenetek</a:t>
-            </a:r>
-            <a:endParaRPr lang="en-US" sz="2600" dirty="0"/>
-          </a:p>
-          <a:p>
-            <a:pPr marL="0" indent="0">
-              <a:buNone/>
-            </a:pPr>
-            <a:endParaRPr lang="en-US" dirty="0"/>
-          </a:p>
-        </p:txBody>
-      </p:sp>
-      <p:pic>
-        <p:nvPicPr>
-          <p:cNvPr id="5" name="Picture 4" descr="A screenshot of a computer&#10;&#10;AI-generated content may be incorrect.">
-            <a:extLst>
-              <a:ext uri="{FF2B5EF4-FFF2-40B4-BE49-F238E27FC236}">
-                <a16:creationId xmlns:a16="http://schemas.microsoft.com/office/drawing/2014/main" id="{F6DABC57-9C56-3612-53E1-0894379DFCF6}"/>
-              </a:ext>
-            </a:extLst>
-          </p:cNvPr>
-          <p:cNvPicPr>
-            <a:picLocks noChangeAspect="1"/>
-          </p:cNvPicPr>
-          <p:nvPr/>
-        </p:nvPicPr>
-        <p:blipFill>
-          <a:blip r:embed="rId3"/>
-          <a:stretch>
-            <a:fillRect/>
-          </a:stretch>
-        </p:blipFill>
-        <p:spPr>
-          <a:xfrm>
-            <a:off x="6910087" y="1605148"/>
-            <a:ext cx="4760706" cy="5165994"/>
-          </a:xfrm>
-          <a:prstGeom prst="rect">
-            <a:avLst/>
-          </a:prstGeom>
-        </p:spPr>
-      </p:pic>
-    </p:spTree>
-    <p:extLst>
-      <p:ext uri="{BB962C8B-B14F-4D97-AF65-F5344CB8AC3E}">
-        <p14:creationId xmlns:p14="http://schemas.microsoft.com/office/powerpoint/2010/main" val="3868854281"/>
-      </p:ext>
-    </p:extLst>
-  </p:cSld>
-  <p:clrMapOvr>
-    <a:masterClrMapping/>
-  </p:clrMapOvr>
-</p:sld>
-</file>
-
-<file path=ppt/slides/slide12.xml><?xml version="1.0" encoding="utf-8"?>
-<p:sld xmlns:a="http://schemas.openxmlformats.org/drawingml/2006/main" xmlns:r="http://schemas.openxmlformats.org/officeDocument/2006/relationships" xmlns:p="http://schemas.openxmlformats.org/presentationml/2006/main">
-  <p:cSld>
-    <p:spTree>
-      <p:nvGrpSpPr>
-        <p:cNvPr id="1" name=""/>
-        <p:cNvGrpSpPr/>
-        <p:nvPr/>
-      </p:nvGrpSpPr>
-      <p:grpSpPr>
-        <a:xfrm>
-          <a:off x="0" y="0"/>
-          <a:ext cx="0" cy="0"/>
-          <a:chOff x="0" y="0"/>
-          <a:chExt cx="0" cy="0"/>
-        </a:xfrm>
-      </p:grpSpPr>
-      <p:sp>
-        <p:nvSpPr>
-          <p:cNvPr id="2" name="Title 1">
-            <a:extLst>
-              <a:ext uri="{FF2B5EF4-FFF2-40B4-BE49-F238E27FC236}">
-                <a16:creationId xmlns:a16="http://schemas.microsoft.com/office/drawing/2014/main" id="{61AE8661-0D26-47E3-CB04-EE008EF01040}"/>
-              </a:ext>
-            </a:extLst>
-          </p:cNvPr>
-          <p:cNvSpPr>
-            <a:spLocks noGrp="1"/>
-          </p:cNvSpPr>
-          <p:nvPr>
-            <p:ph type="title"/>
-          </p:nvPr>
-        </p:nvSpPr>
-        <p:spPr>
-          <a:xfrm>
-            <a:off x="521208" y="978408"/>
-            <a:ext cx="11155680" cy="896691"/>
-          </a:xfrm>
-        </p:spPr>
-        <p:txBody>
-          <a:bodyPr>
-            <a:normAutofit fontScale="90000"/>
-          </a:bodyPr>
-          <a:lstStyle/>
-          <a:p>
-            <a:r>
-              <a:rPr lang="hu-HU" dirty="0"/>
-              <a:t>(HTTPS) </a:t>
-            </a:r>
-            <a:r>
-              <a:rPr lang="en-US" dirty="0"/>
-              <a:t>TLS 1.3 </a:t>
-            </a:r>
-            <a:r>
-              <a:rPr lang="en-US" dirty="0" err="1"/>
-              <a:t>újdonságok</a:t>
-            </a:r>
-            <a:br>
-              <a:rPr lang="en-US" dirty="0"/>
-            </a:br>
-            <a:endParaRPr lang="en-US" dirty="0"/>
-          </a:p>
-        </p:txBody>
-      </p:sp>
-      <p:sp>
-        <p:nvSpPr>
-          <p:cNvPr id="3" name="Content Placeholder 2">
-            <a:extLst>
-              <a:ext uri="{FF2B5EF4-FFF2-40B4-BE49-F238E27FC236}">
-                <a16:creationId xmlns:a16="http://schemas.microsoft.com/office/drawing/2014/main" id="{9A082AF7-FB08-04DC-A259-7C0CCE1B972A}"/>
-              </a:ext>
-            </a:extLst>
-          </p:cNvPr>
-          <p:cNvSpPr>
-            <a:spLocks noGrp="1"/>
-          </p:cNvSpPr>
-          <p:nvPr>
-            <p:ph idx="1"/>
-          </p:nvPr>
-        </p:nvSpPr>
-        <p:spPr>
-          <a:xfrm>
-            <a:off x="521208" y="2277667"/>
-            <a:ext cx="6192108" cy="3767328"/>
-          </a:xfrm>
-        </p:spPr>
-        <p:txBody>
-          <a:bodyPr>
-            <a:normAutofit/>
-          </a:bodyPr>
-          <a:lstStyle/>
-          <a:p>
-            <a:r>
-              <a:rPr lang="hu-HU" sz="2400" dirty="0"/>
-              <a:t>Egyszerűsített </a:t>
-            </a:r>
-            <a:r>
-              <a:rPr lang="hu-HU" sz="2400" dirty="0" err="1"/>
-              <a:t>handshake</a:t>
-            </a:r>
-            <a:endParaRPr lang="hu-HU" sz="2400" dirty="0"/>
-          </a:p>
-          <a:p>
-            <a:r>
-              <a:rPr lang="hu-HU" sz="2400" dirty="0"/>
-              <a:t>Gyorsabb kapcsolatfelépítés</a:t>
-            </a:r>
-          </a:p>
-          <a:p>
-            <a:r>
-              <a:rPr lang="hu-HU" sz="2400" dirty="0"/>
-              <a:t>Modern algoritmusok használata</a:t>
-            </a:r>
-          </a:p>
-          <a:p>
-            <a:r>
-              <a:rPr lang="en-US" sz="2400" dirty="0"/>
-              <a:t>Minden </a:t>
-            </a:r>
-            <a:r>
-              <a:rPr lang="en-US" sz="2400" dirty="0" err="1"/>
-              <a:t>kulcscsere</a:t>
-            </a:r>
-            <a:r>
-              <a:rPr lang="en-US" sz="2400" dirty="0"/>
-              <a:t> ECDHE</a:t>
-            </a:r>
-            <a:r>
-              <a:rPr lang="hu-HU" sz="2400" dirty="0"/>
-              <a:t> algoritmussal</a:t>
-            </a:r>
-          </a:p>
-          <a:p>
-            <a:r>
-              <a:rPr lang="hu-HU" sz="2400" dirty="0"/>
-              <a:t>PFS (</a:t>
-            </a:r>
-            <a:r>
-              <a:rPr lang="hu-HU" sz="2400" dirty="0" err="1"/>
-              <a:t>Perfect</a:t>
-            </a:r>
-            <a:r>
-              <a:rPr lang="hu-HU" sz="2400" dirty="0"/>
-              <a:t> </a:t>
-            </a:r>
-            <a:r>
-              <a:rPr lang="hu-HU" sz="2400" dirty="0" err="1"/>
-              <a:t>Forward</a:t>
-            </a:r>
-            <a:r>
-              <a:rPr lang="hu-HU" sz="2400" dirty="0"/>
-              <a:t> </a:t>
-            </a:r>
-            <a:r>
-              <a:rPr lang="hu-HU" sz="2400" dirty="0" err="1"/>
-              <a:t>Secrecy</a:t>
-            </a:r>
-            <a:r>
-              <a:rPr lang="hu-HU" sz="2400" dirty="0"/>
-              <a:t>) kötelező</a:t>
-            </a:r>
-          </a:p>
-          <a:p>
-            <a:pPr marL="0" indent="0">
-              <a:buNone/>
-            </a:pPr>
-            <a:endParaRPr lang="en-US" dirty="0"/>
-          </a:p>
-        </p:txBody>
-      </p:sp>
-      <p:pic>
-        <p:nvPicPr>
-          <p:cNvPr id="5" name="Picture 4" descr="A diagram of a server&#10;&#10;AI-generated content may be incorrect.">
-            <a:extLst>
-              <a:ext uri="{FF2B5EF4-FFF2-40B4-BE49-F238E27FC236}">
-                <a16:creationId xmlns:a16="http://schemas.microsoft.com/office/drawing/2014/main" id="{4A878760-A1BF-C3F1-349C-59B024225B9B}"/>
-              </a:ext>
-            </a:extLst>
-          </p:cNvPr>
-          <p:cNvPicPr>
-            <a:picLocks noChangeAspect="1"/>
-          </p:cNvPicPr>
-          <p:nvPr/>
-        </p:nvPicPr>
-        <p:blipFill>
-          <a:blip r:embed="rId3"/>
-          <a:stretch>
-            <a:fillRect/>
-          </a:stretch>
-        </p:blipFill>
-        <p:spPr>
-          <a:xfrm>
-            <a:off x="8565266" y="1483520"/>
-            <a:ext cx="2530361" cy="5003473"/>
-          </a:xfrm>
-          <a:prstGeom prst="rect">
-            <a:avLst/>
-          </a:prstGeom>
-        </p:spPr>
-      </p:pic>
-    </p:spTree>
-    <p:extLst>
-      <p:ext uri="{BB962C8B-B14F-4D97-AF65-F5344CB8AC3E}">
-        <p14:creationId xmlns:p14="http://schemas.microsoft.com/office/powerpoint/2010/main" val="2706317847"/>
-      </p:ext>
-    </p:extLst>
-  </p:cSld>
-  <p:clrMapOvr>
-    <a:masterClrMapping/>
-  </p:clrMapOvr>
-</p:sld>
-</file>
-
-<file path=ppt/slides/slide13.xml><?xml version="1.0" encoding="utf-8"?>
-<p:sld xmlns:a="http://schemas.openxmlformats.org/drawingml/2006/main" xmlns:r="http://schemas.openxmlformats.org/officeDocument/2006/relationships" xmlns:p="http://schemas.openxmlformats.org/presentationml/2006/main">
-  <p:cSld>
-    <p:spTree>
-      <p:nvGrpSpPr>
-        <p:cNvPr id="1" name=""/>
-        <p:cNvGrpSpPr/>
-        <p:nvPr/>
-      </p:nvGrpSpPr>
-      <p:grpSpPr>
-        <a:xfrm>
-          <a:off x="0" y="0"/>
-          <a:ext cx="0" cy="0"/>
-          <a:chOff x="0" y="0"/>
-          <a:chExt cx="0" cy="0"/>
-        </a:xfrm>
-      </p:grpSpPr>
-      <p:pic>
-        <p:nvPicPr>
-          <p:cNvPr id="2050" name="Picture 2" descr="Differences between TLS 1.2 and TLS 1.3 Full Handshake">
-            <a:extLst>
-              <a:ext uri="{FF2B5EF4-FFF2-40B4-BE49-F238E27FC236}">
-                <a16:creationId xmlns:a16="http://schemas.microsoft.com/office/drawing/2014/main" id="{0DE6DA0F-5B88-B49B-00DC-3F34F0C85776}"/>
-              </a:ext>
-            </a:extLst>
-          </p:cNvPr>
-          <p:cNvPicPr>
-            <a:picLocks noChangeAspect="1" noChangeArrowheads="1"/>
-          </p:cNvPicPr>
-          <p:nvPr/>
-        </p:nvPicPr>
-        <p:blipFill>
-          <a:blip r:embed="rId2">
-            <a:extLst>
-              <a:ext uri="{28A0092B-C50C-407E-A947-70E740481C1C}">
-                <a14:useLocalDpi xmlns:a14="http://schemas.microsoft.com/office/drawing/2010/main" val="0"/>
-              </a:ext>
-            </a:extLst>
-          </a:blip>
-          <a:srcRect/>
-          <a:stretch>
-            <a:fillRect/>
-          </a:stretch>
-        </p:blipFill>
-        <p:spPr bwMode="auto">
-          <a:xfrm>
-            <a:off x="2222339" y="1070189"/>
-            <a:ext cx="7438904" cy="5387892"/>
-          </a:xfrm>
-          <a:prstGeom prst="rect">
-            <a:avLst/>
-          </a:prstGeom>
-          <a:noFill/>
-          <a:extLst>
-            <a:ext uri="{909E8E84-426E-40DD-AFC4-6F175D3DCCD1}">
-              <a14:hiddenFill xmlns:a14="http://schemas.microsoft.com/office/drawing/2010/main">
-                <a:solidFill>
-                  <a:srgbClr val="FFFFFF"/>
-                </a:solidFill>
-              </a14:hiddenFill>
-            </a:ext>
-          </a:extLst>
-        </p:spPr>
-      </p:pic>
-    </p:spTree>
-    <p:extLst>
-      <p:ext uri="{BB962C8B-B14F-4D97-AF65-F5344CB8AC3E}">
-        <p14:creationId xmlns:p14="http://schemas.microsoft.com/office/powerpoint/2010/main" val="1675731514"/>
-      </p:ext>
-    </p:extLst>
-  </p:cSld>
-  <p:clrMapOvr>
-    <a:masterClrMapping/>
-  </p:clrMapOvr>
-</p:sld>
-</file>
-
-<file path=ppt/slides/slide14.xml><?xml version="1.0" encoding="utf-8"?>
-<p:sld xmlns:a="http://schemas.openxmlformats.org/drawingml/2006/main" xmlns:r="http://schemas.openxmlformats.org/officeDocument/2006/relationships" xmlns:p="http://schemas.openxmlformats.org/presentationml/2006/main">
-  <p:cSld>
-    <p:spTree>
-      <p:nvGrpSpPr>
-        <p:cNvPr id="1" name=""/>
-        <p:cNvGrpSpPr/>
-        <p:nvPr/>
-      </p:nvGrpSpPr>
-      <p:grpSpPr>
-        <a:xfrm>
-          <a:off x="0" y="0"/>
-          <a:ext cx="0" cy="0"/>
-          <a:chOff x="0" y="0"/>
-          <a:chExt cx="0" cy="0"/>
-        </a:xfrm>
-      </p:grpSpPr>
-      <p:sp>
-        <p:nvSpPr>
-          <p:cNvPr id="2" name="Title 1">
-            <a:extLst>
-              <a:ext uri="{FF2B5EF4-FFF2-40B4-BE49-F238E27FC236}">
-                <a16:creationId xmlns:a16="http://schemas.microsoft.com/office/drawing/2014/main" id="{8B5DD922-90AF-F412-73C9-85D75BACE8EA}"/>
-              </a:ext>
-            </a:extLst>
-          </p:cNvPr>
-          <p:cNvSpPr>
-            <a:spLocks noGrp="1"/>
-          </p:cNvSpPr>
-          <p:nvPr>
-            <p:ph type="title"/>
-          </p:nvPr>
-        </p:nvSpPr>
-        <p:spPr>
-          <a:xfrm>
-            <a:off x="521208" y="978408"/>
-            <a:ext cx="11155680" cy="896691"/>
-          </a:xfrm>
-        </p:spPr>
-        <p:txBody>
-          <a:bodyPr>
-            <a:normAutofit/>
-          </a:bodyPr>
-          <a:lstStyle/>
-          <a:p>
-            <a:r>
-              <a:rPr lang="en-US" sz="4000" dirty="0"/>
-              <a:t>MITM </a:t>
-            </a:r>
-            <a:r>
-              <a:rPr lang="en-US" sz="4000" dirty="0" err="1"/>
-              <a:t>támadás</a:t>
-            </a:r>
-            <a:r>
-              <a:rPr lang="en-US" sz="4000" dirty="0"/>
-              <a:t> és </a:t>
-            </a:r>
-            <a:r>
-              <a:rPr lang="en-US" sz="4000" dirty="0" err="1"/>
-              <a:t>védekezés</a:t>
-            </a:r>
-            <a:endParaRPr lang="en-US" sz="4000" dirty="0"/>
-          </a:p>
-        </p:txBody>
-      </p:sp>
-      <p:sp>
-        <p:nvSpPr>
-          <p:cNvPr id="3" name="Content Placeholder 2">
-            <a:extLst>
-              <a:ext uri="{FF2B5EF4-FFF2-40B4-BE49-F238E27FC236}">
-                <a16:creationId xmlns:a16="http://schemas.microsoft.com/office/drawing/2014/main" id="{98A6E427-58F4-0544-985C-9B4906AF086F}"/>
-              </a:ext>
-            </a:extLst>
-          </p:cNvPr>
-          <p:cNvSpPr>
-            <a:spLocks noGrp="1"/>
-          </p:cNvSpPr>
-          <p:nvPr>
-            <p:ph idx="1"/>
-          </p:nvPr>
-        </p:nvSpPr>
-        <p:spPr>
-          <a:xfrm>
-            <a:off x="518160" y="2289241"/>
-            <a:ext cx="11155680" cy="3767328"/>
-          </a:xfrm>
-        </p:spPr>
-        <p:txBody>
-          <a:bodyPr/>
-          <a:lstStyle/>
-          <a:p>
-            <a:pPr>
-              <a:lnSpc>
-                <a:spcPct val="150000"/>
-              </a:lnSpc>
-            </a:pPr>
-            <a:r>
-              <a:rPr lang="hu-HU" sz="2400" dirty="0"/>
-              <a:t>MITM = Man In The </a:t>
-            </a:r>
-            <a:r>
-              <a:rPr lang="hu-HU" sz="2400" dirty="0" err="1"/>
-              <a:t>Middle</a:t>
-            </a:r>
-            <a:endParaRPr lang="hu-HU" sz="2400" dirty="0"/>
-          </a:p>
-          <a:p>
-            <a:pPr>
-              <a:lnSpc>
-                <a:spcPct val="150000"/>
-              </a:lnSpc>
-            </a:pPr>
-            <a:r>
-              <a:rPr lang="en-US" sz="2400" dirty="0" err="1"/>
-              <a:t>Tanúsítvány</a:t>
-            </a:r>
-            <a:r>
-              <a:rPr lang="hu-HU" sz="2400" dirty="0"/>
-              <a:t> </a:t>
-            </a:r>
-            <a:r>
-              <a:rPr lang="en-US" sz="2400" dirty="0" err="1"/>
-              <a:t>hamisítás</a:t>
-            </a:r>
-            <a:r>
-              <a:rPr lang="hu-HU" sz="2400" dirty="0"/>
-              <a:t> – böngésző hibát jelez</a:t>
-            </a:r>
-            <a:endParaRPr lang="en-US" sz="2400" dirty="0"/>
-          </a:p>
-          <a:p>
-            <a:pPr>
-              <a:lnSpc>
-                <a:spcPct val="150000"/>
-              </a:lnSpc>
-            </a:pPr>
-            <a:r>
-              <a:rPr lang="en-US" sz="2400" dirty="0"/>
-              <a:t>DNS </a:t>
-            </a:r>
-            <a:r>
-              <a:rPr lang="hu-HU" sz="2400" dirty="0"/>
-              <a:t>eltérítés</a:t>
-            </a:r>
-          </a:p>
-          <a:p>
-            <a:pPr>
-              <a:lnSpc>
-                <a:spcPct val="150000"/>
-              </a:lnSpc>
-            </a:pPr>
-            <a:r>
-              <a:rPr lang="en-US" sz="2400" dirty="0"/>
-              <a:t>HSTS</a:t>
-            </a:r>
-            <a:r>
-              <a:rPr lang="hu-HU" sz="2400" dirty="0"/>
-              <a:t> (HTTP </a:t>
-            </a:r>
-            <a:r>
-              <a:rPr lang="hu-HU" sz="2400" dirty="0" err="1"/>
-              <a:t>Strict</a:t>
-            </a:r>
-            <a:r>
-              <a:rPr lang="hu-HU" sz="2400" dirty="0"/>
-              <a:t> </a:t>
-            </a:r>
-            <a:r>
-              <a:rPr lang="hu-HU" sz="2400" dirty="0" err="1"/>
-              <a:t>Transport</a:t>
-            </a:r>
-            <a:r>
-              <a:rPr lang="hu-HU" sz="2400" dirty="0"/>
-              <a:t> Security)</a:t>
-            </a:r>
-            <a:endParaRPr lang="en-US" sz="2400" dirty="0"/>
-          </a:p>
-          <a:p>
-            <a:endParaRPr lang="en-US" dirty="0"/>
-          </a:p>
-          <a:p>
-            <a:endParaRPr lang="en-US" dirty="0"/>
-          </a:p>
-        </p:txBody>
-      </p:sp>
-    </p:spTree>
-    <p:extLst>
-      <p:ext uri="{BB962C8B-B14F-4D97-AF65-F5344CB8AC3E}">
-        <p14:creationId xmlns:p14="http://schemas.microsoft.com/office/powerpoint/2010/main" val="2984426879"/>
-      </p:ext>
-    </p:extLst>
-  </p:cSld>
-  <p:clrMapOvr>
-    <a:masterClrMapping/>
-  </p:clrMapOvr>
-</p:sld>
-</file>
-
-<file path=ppt/slides/slide15.xml><?xml version="1.0" encoding="utf-8"?>
-<p:sld xmlns:a="http://schemas.openxmlformats.org/drawingml/2006/main" xmlns:r="http://schemas.openxmlformats.org/officeDocument/2006/relationships" xmlns:p="http://schemas.openxmlformats.org/presentationml/2006/main">
-  <p:cSld>
-    <p:spTree>
-      <p:nvGrpSpPr>
-        <p:cNvPr id="1" name=""/>
-        <p:cNvGrpSpPr/>
-        <p:nvPr/>
-      </p:nvGrpSpPr>
-      <p:grpSpPr>
-        <a:xfrm>
-          <a:off x="0" y="0"/>
-          <a:ext cx="0" cy="0"/>
-          <a:chOff x="0" y="0"/>
-          <a:chExt cx="0" cy="0"/>
-        </a:xfrm>
-      </p:grpSpPr>
-      <p:sp>
-        <p:nvSpPr>
-          <p:cNvPr id="2" name="Title 1">
-            <a:extLst>
-              <a:ext uri="{FF2B5EF4-FFF2-40B4-BE49-F238E27FC236}">
-                <a16:creationId xmlns:a16="http://schemas.microsoft.com/office/drawing/2014/main" id="{C389D337-2975-345D-FC10-CA6E44B7924C}"/>
-              </a:ext>
-            </a:extLst>
-          </p:cNvPr>
-          <p:cNvSpPr>
-            <a:spLocks noGrp="1"/>
-          </p:cNvSpPr>
-          <p:nvPr>
-            <p:ph type="title"/>
-          </p:nvPr>
-        </p:nvSpPr>
-        <p:spPr>
-          <a:xfrm>
-            <a:off x="521208" y="978408"/>
-            <a:ext cx="11155680" cy="919840"/>
-          </a:xfrm>
-        </p:spPr>
-        <p:txBody>
-          <a:bodyPr>
-            <a:normAutofit/>
-          </a:bodyPr>
-          <a:lstStyle/>
-          <a:p>
-            <a:r>
-              <a:rPr lang="en-US" sz="4000" dirty="0"/>
-              <a:t>Modern </a:t>
-            </a:r>
-            <a:r>
-              <a:rPr lang="en-US" sz="4000" dirty="0" err="1"/>
-              <a:t>legjobb</a:t>
-            </a:r>
-            <a:r>
-              <a:rPr lang="en-US" sz="4000" dirty="0"/>
-              <a:t> </a:t>
-            </a:r>
-            <a:r>
-              <a:rPr lang="en-US" sz="4000" dirty="0" err="1"/>
-              <a:t>gyakorlatok</a:t>
-            </a:r>
-            <a:endParaRPr lang="en-US" sz="4000" dirty="0"/>
-          </a:p>
-        </p:txBody>
-      </p:sp>
-      <p:sp>
-        <p:nvSpPr>
-          <p:cNvPr id="3" name="Content Placeholder 2">
-            <a:extLst>
-              <a:ext uri="{FF2B5EF4-FFF2-40B4-BE49-F238E27FC236}">
-                <a16:creationId xmlns:a16="http://schemas.microsoft.com/office/drawing/2014/main" id="{3450B101-C39F-3C8C-13E2-646BC7198180}"/>
-              </a:ext>
-            </a:extLst>
-          </p:cNvPr>
-          <p:cNvSpPr>
-            <a:spLocks noGrp="1"/>
-          </p:cNvSpPr>
-          <p:nvPr>
-            <p:ph idx="1"/>
-          </p:nvPr>
-        </p:nvSpPr>
-        <p:spPr>
-          <a:xfrm>
-            <a:off x="521208" y="2277667"/>
-            <a:ext cx="11155680" cy="3767328"/>
-          </a:xfrm>
-        </p:spPr>
-        <p:txBody>
-          <a:bodyPr/>
-          <a:lstStyle/>
-          <a:p>
-            <a:pPr>
-              <a:lnSpc>
-                <a:spcPct val="150000"/>
-              </a:lnSpc>
-            </a:pPr>
-            <a:r>
-              <a:rPr lang="en-US" sz="2400" dirty="0"/>
-              <a:t>TLS 1.3 </a:t>
-            </a:r>
-            <a:r>
-              <a:rPr lang="en-US" sz="2400" dirty="0" err="1"/>
-              <a:t>előnyben</a:t>
-            </a:r>
-            <a:endParaRPr lang="en-US" sz="2400" dirty="0"/>
-          </a:p>
-          <a:p>
-            <a:pPr>
-              <a:lnSpc>
-                <a:spcPct val="150000"/>
-              </a:lnSpc>
-            </a:pPr>
-            <a:r>
-              <a:rPr lang="en-US" sz="2400" dirty="0"/>
-              <a:t>Régi </a:t>
-            </a:r>
-            <a:r>
-              <a:rPr lang="en-US" sz="2400" dirty="0" err="1"/>
-              <a:t>algoritmusok</a:t>
-            </a:r>
-            <a:r>
-              <a:rPr lang="en-US" sz="2400" dirty="0"/>
-              <a:t> </a:t>
-            </a:r>
-            <a:r>
-              <a:rPr lang="en-US" sz="2400" dirty="0" err="1"/>
-              <a:t>tiltása</a:t>
-            </a:r>
-            <a:endParaRPr lang="hu-HU" sz="2400" dirty="0"/>
-          </a:p>
-          <a:p>
-            <a:pPr>
-              <a:lnSpc>
-                <a:spcPct val="150000"/>
-              </a:lnSpc>
-            </a:pPr>
-            <a:r>
-              <a:rPr lang="hu-HU" sz="2400" dirty="0"/>
-              <a:t>Erős algoritmusok (</a:t>
-            </a:r>
-            <a:r>
-              <a:rPr lang="hu-HU" sz="2400" dirty="0" err="1"/>
-              <a:t>cipher</a:t>
-            </a:r>
-            <a:r>
-              <a:rPr lang="hu-HU" sz="2400" dirty="0"/>
-              <a:t> </a:t>
-            </a:r>
-            <a:r>
-              <a:rPr lang="hu-HU" sz="2400" dirty="0" err="1"/>
-              <a:t>suites</a:t>
-            </a:r>
-            <a:r>
-              <a:rPr lang="hu-HU" sz="2400" dirty="0"/>
-              <a:t>) használata</a:t>
-            </a:r>
-            <a:endParaRPr lang="en-US" sz="2400" dirty="0"/>
-          </a:p>
-          <a:p>
-            <a:pPr>
-              <a:lnSpc>
-                <a:spcPct val="150000"/>
-              </a:lnSpc>
-            </a:pPr>
-            <a:r>
-              <a:rPr lang="en-US" sz="2400" dirty="0"/>
-              <a:t>HTTPS </a:t>
-            </a:r>
-            <a:r>
-              <a:rPr lang="en-US" sz="2400" dirty="0" err="1"/>
-              <a:t>automatikus</a:t>
-            </a:r>
-            <a:r>
-              <a:rPr lang="en-US" sz="2400" dirty="0"/>
-              <a:t> </a:t>
-            </a:r>
-            <a:r>
-              <a:rPr lang="en-US" sz="2400" dirty="0" err="1"/>
-              <a:t>kényszerítése</a:t>
-            </a:r>
-            <a:endParaRPr lang="en-US" sz="2400" dirty="0"/>
-          </a:p>
-          <a:p>
-            <a:pPr>
-              <a:lnSpc>
-                <a:spcPct val="150000"/>
-              </a:lnSpc>
-            </a:pPr>
-            <a:r>
-              <a:rPr lang="en-US" sz="2400" dirty="0"/>
-              <a:t>Let’s Encrypt </a:t>
-            </a:r>
-            <a:r>
-              <a:rPr lang="en-US" sz="2400" dirty="0" err="1"/>
-              <a:t>használata</a:t>
-            </a:r>
-            <a:r>
-              <a:rPr lang="hu-HU" sz="2400" dirty="0"/>
-              <a:t> (ingyenes)</a:t>
-            </a:r>
-            <a:endParaRPr lang="en-US" sz="2400" dirty="0"/>
-          </a:p>
-          <a:p>
-            <a:pPr marL="0" indent="0">
-              <a:buNone/>
-            </a:pPr>
-            <a:endParaRPr lang="en-US" dirty="0"/>
-          </a:p>
-        </p:txBody>
-      </p:sp>
-    </p:spTree>
-    <p:extLst>
-      <p:ext uri="{BB962C8B-B14F-4D97-AF65-F5344CB8AC3E}">
-        <p14:creationId xmlns:p14="http://schemas.microsoft.com/office/powerpoint/2010/main" val="2081633652"/>
-      </p:ext>
-    </p:extLst>
-  </p:cSld>
-  <p:clrMapOvr>
-    <a:masterClrMapping/>
-  </p:clrMapOvr>
-</p:sld>
-</file>
-
-<file path=ppt/slides/slide16.xml><?xml version="1.0" encoding="utf-8"?>
-<p:sld xmlns:a="http://schemas.openxmlformats.org/drawingml/2006/main" xmlns:r="http://schemas.openxmlformats.org/officeDocument/2006/relationships" xmlns:p="http://schemas.openxmlformats.org/presentationml/2006/main">
-  <p:cSld>
-    <p:spTree>
-      <p:nvGrpSpPr>
-        <p:cNvPr id="1" name=""/>
-        <p:cNvGrpSpPr/>
-        <p:nvPr/>
-      </p:nvGrpSpPr>
-      <p:grpSpPr>
-        <a:xfrm>
-          <a:off x="0" y="0"/>
-          <a:ext cx="0" cy="0"/>
-          <a:chOff x="0" y="0"/>
-          <a:chExt cx="0" cy="0"/>
-        </a:xfrm>
-      </p:grpSpPr>
-      <p:sp>
-        <p:nvSpPr>
-          <p:cNvPr id="2" name="Title 1">
-            <a:extLst>
-              <a:ext uri="{FF2B5EF4-FFF2-40B4-BE49-F238E27FC236}">
-                <a16:creationId xmlns:a16="http://schemas.microsoft.com/office/drawing/2014/main" id="{05532E2D-F677-B187-DD35-131D6E3E63D3}"/>
-              </a:ext>
-            </a:extLst>
-          </p:cNvPr>
-          <p:cNvSpPr>
-            <a:spLocks noGrp="1"/>
-          </p:cNvSpPr>
-          <p:nvPr>
-            <p:ph type="title"/>
-          </p:nvPr>
-        </p:nvSpPr>
-        <p:spPr>
-          <a:xfrm>
-            <a:off x="521208" y="978408"/>
-            <a:ext cx="11155680" cy="1012438"/>
-          </a:xfrm>
-        </p:spPr>
-        <p:txBody>
-          <a:bodyPr>
-            <a:normAutofit/>
-          </a:bodyPr>
-          <a:lstStyle/>
-          <a:p>
-            <a:r>
-              <a:rPr lang="en-US" sz="4000" dirty="0" err="1"/>
-              <a:t>Összefoglalás</a:t>
-            </a:r>
-            <a:endParaRPr lang="en-US" sz="4000" dirty="0"/>
-          </a:p>
-        </p:txBody>
-      </p:sp>
-      <p:sp>
-        <p:nvSpPr>
-          <p:cNvPr id="3" name="Content Placeholder 2">
-            <a:extLst>
-              <a:ext uri="{FF2B5EF4-FFF2-40B4-BE49-F238E27FC236}">
-                <a16:creationId xmlns:a16="http://schemas.microsoft.com/office/drawing/2014/main" id="{2BF69C2B-D3A8-37FB-E824-6FCE4D27536F}"/>
-              </a:ext>
-            </a:extLst>
-          </p:cNvPr>
-          <p:cNvSpPr>
-            <a:spLocks noGrp="1"/>
-          </p:cNvSpPr>
-          <p:nvPr>
-            <p:ph idx="1"/>
-          </p:nvPr>
-        </p:nvSpPr>
-        <p:spPr>
-          <a:xfrm>
-            <a:off x="521208" y="2323965"/>
-            <a:ext cx="11155680" cy="3767328"/>
-          </a:xfrm>
-        </p:spPr>
-        <p:txBody>
-          <a:bodyPr>
-            <a:normAutofit/>
-          </a:bodyPr>
-          <a:lstStyle/>
-          <a:p>
-            <a:r>
-              <a:rPr lang="en-US" sz="2400" dirty="0"/>
-              <a:t>HTTPS = </a:t>
-            </a:r>
-            <a:r>
-              <a:rPr lang="hu-HU" sz="2400" dirty="0"/>
-              <a:t>titkosítás</a:t>
-            </a:r>
-            <a:r>
-              <a:rPr lang="en-US" sz="2400" dirty="0"/>
-              <a:t> + </a:t>
-            </a:r>
-            <a:r>
-              <a:rPr lang="en-US" sz="2400" dirty="0" err="1"/>
-              <a:t>hitelesség</a:t>
-            </a:r>
-            <a:r>
-              <a:rPr lang="en-US" sz="2400" dirty="0"/>
-              <a:t> + </a:t>
-            </a:r>
-            <a:r>
-              <a:rPr lang="en-US" sz="2400" dirty="0" err="1"/>
-              <a:t>integritás</a:t>
-            </a:r>
-            <a:endParaRPr lang="en-US" sz="2400" dirty="0"/>
-          </a:p>
-          <a:p>
-            <a:r>
-              <a:rPr lang="en-US" sz="2400" dirty="0" err="1"/>
-              <a:t>Tanúsítványok</a:t>
-            </a:r>
-            <a:r>
-              <a:rPr lang="en-US" sz="2400" dirty="0"/>
-              <a:t> és PKI </a:t>
-            </a:r>
-            <a:r>
-              <a:rPr lang="en-US" sz="2400" dirty="0" err="1"/>
-              <a:t>biztosítják</a:t>
-            </a:r>
-            <a:r>
-              <a:rPr lang="en-US" sz="2400" dirty="0"/>
-              <a:t> a </a:t>
-            </a:r>
-            <a:r>
-              <a:rPr lang="en-US" sz="2400" dirty="0" err="1"/>
-              <a:t>bizalom</a:t>
-            </a:r>
-            <a:r>
-              <a:rPr lang="en-US" sz="2400" dirty="0"/>
-              <a:t> </a:t>
-            </a:r>
-            <a:r>
-              <a:rPr lang="en-US" sz="2400" dirty="0" err="1"/>
-              <a:t>alapját</a:t>
-            </a:r>
-            <a:endParaRPr lang="en-US" sz="2400" dirty="0"/>
-          </a:p>
-          <a:p>
-            <a:r>
-              <a:rPr lang="en-US" sz="2400" dirty="0"/>
-              <a:t>TLS handshake a </a:t>
-            </a:r>
-            <a:r>
-              <a:rPr lang="en-US" sz="2400" dirty="0" err="1"/>
-              <a:t>kapcsolat</a:t>
-            </a:r>
-            <a:r>
-              <a:rPr lang="en-US" sz="2400" dirty="0"/>
-              <a:t> </a:t>
-            </a:r>
-            <a:r>
-              <a:rPr lang="en-US" sz="2400" dirty="0" err="1"/>
-              <a:t>lelke</a:t>
-            </a:r>
-            <a:endParaRPr lang="en-US" sz="2400" dirty="0"/>
-          </a:p>
-          <a:p>
-            <a:r>
-              <a:rPr lang="en-US" sz="2400" dirty="0"/>
-              <a:t>MITM </a:t>
-            </a:r>
-            <a:r>
-              <a:rPr lang="en-US" sz="2400" dirty="0" err="1"/>
-              <a:t>támadások</a:t>
-            </a:r>
-            <a:r>
-              <a:rPr lang="en-US" sz="2400" dirty="0"/>
-              <a:t> </a:t>
-            </a:r>
-            <a:r>
-              <a:rPr lang="en-US" sz="2400" dirty="0" err="1"/>
-              <a:t>jól</a:t>
-            </a:r>
-            <a:r>
-              <a:rPr lang="en-US" sz="2400" dirty="0"/>
-              <a:t> </a:t>
-            </a:r>
-            <a:r>
-              <a:rPr lang="en-US" sz="2400" dirty="0" err="1"/>
-              <a:t>kivédhetők</a:t>
-            </a:r>
-            <a:endParaRPr lang="en-US" sz="2400" dirty="0"/>
-          </a:p>
-          <a:p>
-            <a:pPr marL="0" indent="0">
-              <a:lnSpc>
-                <a:spcPct val="150000"/>
-              </a:lnSpc>
-              <a:buNone/>
-            </a:pPr>
-            <a:endParaRPr lang="en-US" sz="2400" dirty="0"/>
-          </a:p>
-        </p:txBody>
-      </p:sp>
-    </p:spTree>
-    <p:extLst>
-      <p:ext uri="{BB962C8B-B14F-4D97-AF65-F5344CB8AC3E}">
-        <p14:creationId xmlns:p14="http://schemas.microsoft.com/office/powerpoint/2010/main" val="2847921055"/>
-      </p:ext>
-    </p:extLst>
-  </p:cSld>
-  <p:clrMapOvr>
-    <a:masterClrMapping/>
-  </p:clrMapOvr>
-</p:sld>
-</file>
-
-<file path=ppt/slides/slide2.xml><?xml version="1.0" encoding="utf-8"?>
+<file path=ppt/slides/slide3.xml><?xml version="1.0" encoding="utf-8"?>
 <p:sld xmlns:a="http://schemas.openxmlformats.org/drawingml/2006/main" xmlns:r="http://schemas.openxmlformats.org/officeDocument/2006/relationships" xmlns:p="http://schemas.openxmlformats.org/presentationml/2006/main">
   <p:cSld>
     <p:spTree>
@@ -14767,7 +15175,7 @@
 </p:sld>
 </file>
 
-<file path=ppt/slides/slide3.xml><?xml version="1.0" encoding="utf-8"?>
+<file path=ppt/slides/slide4.xml><?xml version="1.0" encoding="utf-8"?>
 <p:sld xmlns:a="http://schemas.openxmlformats.org/drawingml/2006/main" xmlns:r="http://schemas.openxmlformats.org/officeDocument/2006/relationships" xmlns:p="http://schemas.openxmlformats.org/presentationml/2006/main">
   <p:cSld>
     <p:spTree>
@@ -14948,7 +15356,7 @@
 </p:sld>
 </file>
 
-<file path=ppt/slides/slide4.xml><?xml version="1.0" encoding="utf-8"?>
+<file path=ppt/slides/slide5.xml><?xml version="1.0" encoding="utf-8"?>
 <p:sld xmlns:a="http://schemas.openxmlformats.org/drawingml/2006/main" xmlns:r="http://schemas.openxmlformats.org/officeDocument/2006/relationships" xmlns:p="http://schemas.openxmlformats.org/presentationml/2006/main">
   <p:cSld>
     <p:spTree>
@@ -15200,7 +15608,7 @@
 </p:sld>
 </file>
 
-<file path=ppt/slides/slide5.xml><?xml version="1.0" encoding="utf-8"?>
+<file path=ppt/slides/slide6.xml><?xml version="1.0" encoding="utf-8"?>
 <p:sld xmlns:a="http://schemas.openxmlformats.org/drawingml/2006/main" xmlns:r="http://schemas.openxmlformats.org/officeDocument/2006/relationships" xmlns:p="http://schemas.openxmlformats.org/presentationml/2006/main">
   <p:cSld>
     <p:spTree>
@@ -15484,7 +15892,7 @@
 </p:sld>
 </file>
 
-<file path=ppt/slides/slide6.xml><?xml version="1.0" encoding="utf-8"?>
+<file path=ppt/slides/slide7.xml><?xml version="1.0" encoding="utf-8"?>
 <p:sld xmlns:a="http://schemas.openxmlformats.org/drawingml/2006/main" xmlns:r="http://schemas.openxmlformats.org/officeDocument/2006/relationships" xmlns:p="http://schemas.openxmlformats.org/presentationml/2006/main">
   <p:cSld>
     <p:spTree>
@@ -15648,7 +16056,7 @@
 </p:sld>
 </file>
 
-<file path=ppt/slides/slide7.xml><?xml version="1.0" encoding="utf-8"?>
+<file path=ppt/slides/slide8.xml><?xml version="1.0" encoding="utf-8"?>
 <p:sld xmlns:a="http://schemas.openxmlformats.org/drawingml/2006/main" xmlns:r="http://schemas.openxmlformats.org/officeDocument/2006/relationships" xmlns:p="http://schemas.openxmlformats.org/presentationml/2006/main">
   <p:cSld>
     <p:spTree>
@@ -15770,7 +16178,7 @@
 </p:sld>
 </file>
 
-<file path=ppt/slides/slide8.xml><?xml version="1.0" encoding="utf-8"?>
+<file path=ppt/slides/slide9.xml><?xml version="1.0" encoding="utf-8"?>
 <p:sld xmlns:a="http://schemas.openxmlformats.org/drawingml/2006/main" xmlns:r="http://schemas.openxmlformats.org/officeDocument/2006/relationships" xmlns:p="http://schemas.openxmlformats.org/presentationml/2006/main">
   <p:cSld>
     <p:spTree>
@@ -15939,245 +16347,6 @@
     <p:extLst>
       <p:ext uri="{BB962C8B-B14F-4D97-AF65-F5344CB8AC3E}">
         <p14:creationId xmlns:p14="http://schemas.microsoft.com/office/powerpoint/2010/main" val="2045123406"/>
-      </p:ext>
-    </p:extLst>
-  </p:cSld>
-  <p:clrMapOvr>
-    <a:masterClrMapping/>
-  </p:clrMapOvr>
-</p:sld>
-</file>
-
-<file path=ppt/slides/slide9.xml><?xml version="1.0" encoding="utf-8"?>
-<p:sld xmlns:a="http://schemas.openxmlformats.org/drawingml/2006/main" xmlns:r="http://schemas.openxmlformats.org/officeDocument/2006/relationships" xmlns:p="http://schemas.openxmlformats.org/presentationml/2006/main">
-  <p:cSld>
-    <p:spTree>
-      <p:nvGrpSpPr>
-        <p:cNvPr id="1" name=""/>
-        <p:cNvGrpSpPr/>
-        <p:nvPr/>
-      </p:nvGrpSpPr>
-      <p:grpSpPr>
-        <a:xfrm>
-          <a:off x="0" y="0"/>
-          <a:ext cx="0" cy="0"/>
-          <a:chOff x="0" y="0"/>
-          <a:chExt cx="0" cy="0"/>
-        </a:xfrm>
-      </p:grpSpPr>
-      <p:sp>
-        <p:nvSpPr>
-          <p:cNvPr id="2" name="Title 1">
-            <a:extLst>
-              <a:ext uri="{FF2B5EF4-FFF2-40B4-BE49-F238E27FC236}">
-                <a16:creationId xmlns:a16="http://schemas.microsoft.com/office/drawing/2014/main" id="{043CE5F4-1A51-68F3-3BE1-3484D91EEAB8}"/>
-              </a:ext>
-            </a:extLst>
-          </p:cNvPr>
-          <p:cNvSpPr>
-            <a:spLocks noGrp="1"/>
-          </p:cNvSpPr>
-          <p:nvPr>
-            <p:ph type="title"/>
-          </p:nvPr>
-        </p:nvSpPr>
-        <p:spPr/>
-        <p:txBody>
-          <a:bodyPr>
-            <a:normAutofit/>
-          </a:bodyPr>
-          <a:lstStyle/>
-          <a:p>
-            <a:r>
-              <a:rPr lang="en-US" sz="4000" dirty="0" err="1"/>
-              <a:t>Tanúsítvány</a:t>
-            </a:r>
-            <a:r>
-              <a:rPr lang="en-US" sz="4000" dirty="0"/>
-              <a:t> </a:t>
-            </a:r>
-            <a:r>
-              <a:rPr lang="en-US" sz="4000" dirty="0" err="1"/>
-              <a:t>érvényesség</a:t>
-            </a:r>
-            <a:r>
-              <a:rPr lang="en-US" sz="4000" dirty="0"/>
-              <a:t> és </a:t>
-            </a:r>
-            <a:r>
-              <a:rPr lang="en-US" sz="4000" dirty="0" err="1"/>
-              <a:t>visszavonás</a:t>
-            </a:r>
-            <a:endParaRPr lang="en-US" sz="4000" dirty="0"/>
-          </a:p>
-        </p:txBody>
-      </p:sp>
-      <p:sp>
-        <p:nvSpPr>
-          <p:cNvPr id="3" name="Content Placeholder 2">
-            <a:extLst>
-              <a:ext uri="{FF2B5EF4-FFF2-40B4-BE49-F238E27FC236}">
-                <a16:creationId xmlns:a16="http://schemas.microsoft.com/office/drawing/2014/main" id="{E79DC665-0FC4-4862-C322-991750F785F4}"/>
-              </a:ext>
-            </a:extLst>
-          </p:cNvPr>
-          <p:cNvSpPr>
-            <a:spLocks noGrp="1"/>
-          </p:cNvSpPr>
-          <p:nvPr>
-            <p:ph idx="1"/>
-          </p:nvPr>
-        </p:nvSpPr>
-        <p:spPr>
-          <a:xfrm>
-            <a:off x="518160" y="2273808"/>
-            <a:ext cx="11155680" cy="3767328"/>
-          </a:xfrm>
-        </p:spPr>
-        <p:txBody>
-          <a:bodyPr>
-            <a:normAutofit/>
-          </a:bodyPr>
-          <a:lstStyle/>
-          <a:p>
-            <a:pPr>
-              <a:lnSpc>
-                <a:spcPct val="150000"/>
-              </a:lnSpc>
-            </a:pPr>
-            <a:r>
-              <a:rPr lang="hu-HU" sz="2400" dirty="0"/>
-              <a:t>A tanúsítványok érvényességi idővel rendelkeznek</a:t>
-            </a:r>
-          </a:p>
-          <a:p>
-            <a:pPr>
-              <a:lnSpc>
-                <a:spcPct val="150000"/>
-              </a:lnSpc>
-            </a:pPr>
-            <a:r>
-              <a:rPr lang="en-US" sz="2400" dirty="0"/>
-              <a:t>A </a:t>
-            </a:r>
-            <a:r>
-              <a:rPr lang="en-US" sz="2400" dirty="0" err="1"/>
-              <a:t>tanúsítvány</a:t>
-            </a:r>
-            <a:r>
-              <a:rPr lang="en-US" sz="2400" dirty="0"/>
-              <a:t> </a:t>
-            </a:r>
-            <a:r>
-              <a:rPr lang="en-US" sz="2400" dirty="0" err="1"/>
-              <a:t>visszavonható</a:t>
-            </a:r>
-            <a:r>
-              <a:rPr lang="en-US" sz="2400" dirty="0"/>
-              <a:t>, </a:t>
-            </a:r>
-            <a:r>
-              <a:rPr lang="en-US" sz="2400" dirty="0" err="1"/>
-              <a:t>például</a:t>
-            </a:r>
-            <a:r>
-              <a:rPr lang="en-US" sz="2400" dirty="0"/>
-              <a:t> ha a </a:t>
-            </a:r>
-            <a:r>
-              <a:rPr lang="en-US" sz="2400" dirty="0" err="1"/>
-              <a:t>privát</a:t>
-            </a:r>
-            <a:r>
-              <a:rPr lang="en-US" sz="2400" dirty="0"/>
-              <a:t> </a:t>
-            </a:r>
-            <a:r>
-              <a:rPr lang="en-US" sz="2400" dirty="0" err="1"/>
-              <a:t>kulcs</a:t>
-            </a:r>
-            <a:r>
-              <a:rPr lang="en-US" sz="2400" dirty="0"/>
-              <a:t> </a:t>
-            </a:r>
-            <a:r>
-              <a:rPr lang="en-US" sz="2400" dirty="0" err="1"/>
-              <a:t>kompromittálódott</a:t>
-            </a:r>
-            <a:endParaRPr lang="hu-HU" sz="2400" dirty="0"/>
-          </a:p>
-          <a:p>
-            <a:pPr>
-              <a:lnSpc>
-                <a:spcPct val="150000"/>
-              </a:lnSpc>
-            </a:pPr>
-            <a:r>
-              <a:rPr lang="en-US" sz="2400" b="1" dirty="0"/>
-              <a:t>CRL</a:t>
-            </a:r>
-            <a:r>
-              <a:rPr lang="hu-HU" sz="2400" dirty="0"/>
-              <a:t> (</a:t>
-            </a:r>
-            <a:r>
-              <a:rPr lang="hu-HU" sz="2400" dirty="0" err="1"/>
-              <a:t>Certificate</a:t>
-            </a:r>
-            <a:r>
-              <a:rPr lang="hu-HU" sz="2400" dirty="0"/>
-              <a:t> </a:t>
-            </a:r>
-            <a:r>
-              <a:rPr lang="hu-HU" sz="2400" dirty="0" err="1"/>
-              <a:t>Revocation</a:t>
-            </a:r>
-            <a:r>
-              <a:rPr lang="hu-HU" sz="2400" dirty="0"/>
-              <a:t> List)</a:t>
-            </a:r>
-            <a:endParaRPr lang="en-US" sz="2400" dirty="0"/>
-          </a:p>
-          <a:p>
-            <a:pPr>
-              <a:lnSpc>
-                <a:spcPct val="150000"/>
-              </a:lnSpc>
-            </a:pPr>
-            <a:r>
-              <a:rPr lang="en-US" sz="2400" b="1" dirty="0"/>
-              <a:t>OCSP</a:t>
-            </a:r>
-            <a:r>
-              <a:rPr lang="hu-HU" sz="2400" dirty="0"/>
-              <a:t> </a:t>
-            </a:r>
-            <a:r>
-              <a:rPr lang="en-US" sz="2400" dirty="0"/>
-              <a:t>(Online Certificate Status Protocol)</a:t>
-            </a:r>
-          </a:p>
-          <a:p>
-            <a:pPr>
-              <a:lnSpc>
-                <a:spcPct val="150000"/>
-              </a:lnSpc>
-            </a:pPr>
-            <a:r>
-              <a:rPr lang="en-US" sz="2400" b="1" dirty="0"/>
-              <a:t>OCSP</a:t>
-            </a:r>
-            <a:r>
-              <a:rPr lang="en-US" sz="2400" dirty="0"/>
-              <a:t> stapling</a:t>
-            </a:r>
-          </a:p>
-        </p:txBody>
-      </p:sp>
-    </p:spTree>
-    <p:extLst>
-      <p:ext uri="{BB962C8B-B14F-4D97-AF65-F5344CB8AC3E}">
-        <p14:creationId xmlns:p14="http://schemas.microsoft.com/office/powerpoint/2010/main" val="1125072361"/>
       </p:ext>
     </p:extLst>
   </p:cSld>
